--- a/4week/ppt/4week.pptx
+++ b/4week/ppt/4week.pptx
@@ -778,17 +778,7 @@
                 <a:latin typeface="나눔고딕" pitchFamily="50" charset="-127"/>
                 <a:ea typeface="나눔고딕" pitchFamily="50" charset="-127"/>
               </a:rPr>
-              <a:t>4 </a:t>
-            </a:r>
-            <a:r>
-              <a:rPr lang="en-US" altLang="ko-KR" sz="1200" b="1" dirty="0" smtClean="0">
-                <a:solidFill>
-                  <a:schemeClr val="bg1"/>
-                </a:solidFill>
-                <a:latin typeface="나눔고딕" pitchFamily="50" charset="-127"/>
-                <a:ea typeface="나눔고딕" pitchFamily="50" charset="-127"/>
-              </a:rPr>
-              <a:t>Week </a:t>
+              <a:t>4 Week </a:t>
             </a:r>
             <a:r>
               <a:rPr lang="en-US" altLang="ko-KR" sz="1200" b="1" dirty="0">
@@ -1397,14 +1387,7 @@
                 <a:latin typeface="나눔고딕" pitchFamily="50" charset="-127"/>
                 <a:ea typeface="나눔고딕" pitchFamily="50" charset="-127"/>
               </a:rPr>
-              <a:t>4 </a:t>
-            </a:r>
-            <a:r>
-              <a:rPr lang="en-US" altLang="ko-KR" sz="1200" b="1" dirty="0" smtClean="0">
-                <a:latin typeface="나눔고딕" pitchFamily="50" charset="-127"/>
-                <a:ea typeface="나눔고딕" pitchFamily="50" charset="-127"/>
-              </a:rPr>
-              <a:t>week </a:t>
+              <a:t>4 week </a:t>
             </a:r>
             <a:r>
               <a:rPr lang="en-US" altLang="ko-KR" sz="1200" dirty="0">
@@ -1924,14 +1907,7 @@
                 <a:latin typeface="나눔고딕" pitchFamily="50" charset="-127"/>
                 <a:ea typeface="나눔고딕" pitchFamily="50" charset="-127"/>
               </a:rPr>
-              <a:t>4 </a:t>
-            </a:r>
-            <a:r>
-              <a:rPr lang="en-US" altLang="ko-KR" sz="1200" b="1" dirty="0" smtClean="0">
-                <a:latin typeface="나눔고딕" pitchFamily="50" charset="-127"/>
-                <a:ea typeface="나눔고딕" pitchFamily="50" charset="-127"/>
-              </a:rPr>
-              <a:t>week </a:t>
+              <a:t>4 week </a:t>
             </a:r>
             <a:r>
               <a:rPr lang="en-US" altLang="ko-KR" sz="1200" dirty="0">
@@ -2267,14 +2243,7 @@
                 <a:latin typeface="나눔고딕" pitchFamily="50" charset="-127"/>
                 <a:ea typeface="나눔고딕" pitchFamily="50" charset="-127"/>
               </a:rPr>
-              <a:t>4 </a:t>
-            </a:r>
-            <a:r>
-              <a:rPr lang="en-US" altLang="ko-KR" sz="1200" b="1" dirty="0" smtClean="0">
-                <a:latin typeface="나눔고딕" pitchFamily="50" charset="-127"/>
-                <a:ea typeface="나눔고딕" pitchFamily="50" charset="-127"/>
-              </a:rPr>
-              <a:t>week </a:t>
+              <a:t>4 week </a:t>
             </a:r>
             <a:r>
               <a:rPr lang="en-US" altLang="ko-KR" sz="1200" dirty="0">
@@ -2705,14 +2674,7 @@
                 <a:latin typeface="나눔고딕" pitchFamily="50" charset="-127"/>
                 <a:ea typeface="나눔고딕" pitchFamily="50" charset="-127"/>
               </a:rPr>
-              <a:t>4 </a:t>
-            </a:r>
-            <a:r>
-              <a:rPr lang="en-US" altLang="ko-KR" sz="1200" b="1" dirty="0" smtClean="0">
-                <a:latin typeface="나눔고딕" pitchFamily="50" charset="-127"/>
-                <a:ea typeface="나눔고딕" pitchFamily="50" charset="-127"/>
-              </a:rPr>
-              <a:t>week </a:t>
+              <a:t>4 week </a:t>
             </a:r>
             <a:r>
               <a:rPr lang="en-US" altLang="ko-KR" sz="1200" dirty="0">
@@ -3337,6 +3299,13 @@
   <p:clrMapOvr>
     <a:masterClrMapping/>
   </p:clrMapOvr>
+  <p:timing>
+    <p:tnLst>
+      <p:par>
+        <p:cTn id="1" dur="indefinite" restart="never" nodeType="tmRoot"/>
+      </p:par>
+    </p:tnLst>
+  </p:timing>
 </p:sld>
 </file>
 
@@ -3736,8 +3705,8 @@
         </p:nvSpPr>
         <p:spPr>
           <a:xfrm>
-            <a:off x="-338132" y="1814466"/>
-            <a:ext cx="2736304" cy="2736304"/>
+            <a:off x="-217202" y="1834344"/>
+            <a:ext cx="2404288" cy="2395227"/>
           </a:xfrm>
           <a:prstGeom prst="ellipse">
             <a:avLst/>
@@ -3777,14 +3746,7 @@
                 <a:latin typeface="나눔고딕" pitchFamily="50" charset="-127"/>
                 <a:ea typeface="나눔고딕" pitchFamily="50" charset="-127"/>
               </a:rPr>
-              <a:t>Web Block </a:t>
-            </a:r>
-            <a:r>
-              <a:rPr lang="en-US" altLang="ko-KR" sz="2400" spc="80" dirty="0" smtClean="0">
-                <a:latin typeface="나눔고딕" pitchFamily="50" charset="-127"/>
-                <a:ea typeface="나눔고딕" pitchFamily="50" charset="-127"/>
-              </a:rPr>
-              <a:t>Diagram</a:t>
+              <a:t>Web Block Diagram</a:t>
             </a:r>
             <a:endParaRPr lang="ko-KR" altLang="en-US" sz="2400" spc="80" dirty="0">
               <a:latin typeface="나눔고딕" pitchFamily="50" charset="-127"/>
@@ -3801,8 +3763,8 @@
         </p:nvSpPr>
         <p:spPr>
           <a:xfrm>
-            <a:off x="1691687" y="3098889"/>
-            <a:ext cx="2736304" cy="2736304"/>
+            <a:off x="1263440" y="3257915"/>
+            <a:ext cx="2404288" cy="2395227"/>
           </a:xfrm>
           <a:prstGeom prst="ellipse">
             <a:avLst/>
@@ -3869,8 +3831,8 @@
         </p:nvSpPr>
         <p:spPr>
           <a:xfrm>
-            <a:off x="3488539" y="1730737"/>
-            <a:ext cx="2736304" cy="2736304"/>
+            <a:off x="5606402" y="1834343"/>
+            <a:ext cx="2404288" cy="2395227"/>
           </a:xfrm>
           <a:prstGeom prst="ellipse">
             <a:avLst/>
@@ -3934,8 +3896,8 @@
         </p:nvSpPr>
         <p:spPr>
           <a:xfrm>
-            <a:off x="6763996" y="1730737"/>
-            <a:ext cx="2736304" cy="2736304"/>
+            <a:off x="7137324" y="3257914"/>
+            <a:ext cx="2404288" cy="2395227"/>
           </a:xfrm>
           <a:prstGeom prst="ellipse">
             <a:avLst/>
@@ -4002,8 +3964,8 @@
         </p:nvSpPr>
         <p:spPr>
           <a:xfrm>
-            <a:off x="5079877" y="3409225"/>
-            <a:ext cx="2736304" cy="2736304"/>
+            <a:off x="4250491" y="3257915"/>
+            <a:ext cx="2404288" cy="2395227"/>
           </a:xfrm>
           <a:prstGeom prst="ellipse">
             <a:avLst/>
@@ -4045,6 +4007,71 @@
               </a:rPr>
               <a:t>Sensor</a:t>
             </a:r>
+          </a:p>
+        </p:txBody>
+      </p:sp>
+      <p:sp>
+        <p:nvSpPr>
+          <p:cNvPr id="10" name="타원 9"/>
+          <p:cNvSpPr/>
+          <p:nvPr/>
+        </p:nvSpPr>
+        <p:spPr>
+          <a:xfrm>
+            <a:off x="2744081" y="1834344"/>
+            <a:ext cx="2404288" cy="2395227"/>
+          </a:xfrm>
+          <a:prstGeom prst="ellipse">
+            <a:avLst/>
+          </a:prstGeom>
+          <a:solidFill>
+            <a:srgbClr val="C00000">
+              <a:alpha val="85000"/>
+            </a:srgbClr>
+          </a:solidFill>
+          <a:ln>
+            <a:noFill/>
+          </a:ln>
+        </p:spPr>
+        <p:style>
+          <a:lnRef idx="2">
+            <a:schemeClr val="accent1">
+              <a:shade val="50000"/>
+            </a:schemeClr>
+          </a:lnRef>
+          <a:fillRef idx="1">
+            <a:schemeClr val="accent1"/>
+          </a:fillRef>
+          <a:effectRef idx="0">
+            <a:schemeClr val="accent1"/>
+          </a:effectRef>
+          <a:fontRef idx="minor">
+            <a:schemeClr val="lt1"/>
+          </a:fontRef>
+        </p:style>
+        <p:txBody>
+          <a:bodyPr rtlCol="0" anchor="ctr"/>
+          <a:lstStyle/>
+          <a:p>
+            <a:pPr algn="ctr"/>
+            <a:r>
+              <a:rPr lang="en-US" altLang="ko-KR" sz="2400" spc="80" dirty="0" smtClean="0">
+                <a:latin typeface="나눔고딕" pitchFamily="50" charset="-127"/>
+                <a:ea typeface="나눔고딕" pitchFamily="50" charset="-127"/>
+              </a:rPr>
+              <a:t>Sensor </a:t>
+            </a:r>
+            <a:r>
+              <a:rPr lang="en-US" altLang="ko-KR" sz="2400" spc="80" dirty="0">
+                <a:latin typeface="나눔고딕" pitchFamily="50" charset="-127"/>
+                <a:ea typeface="나눔고딕" pitchFamily="50" charset="-127"/>
+              </a:rPr>
+              <a:t>Block Diagram</a:t>
+            </a:r>
+            <a:endParaRPr lang="ko-KR" altLang="en-US" sz="2400" spc="80" dirty="0">
+              <a:latin typeface="나눔고딕" pitchFamily="50" charset="-127"/>
+              <a:ea typeface="나눔고딕" pitchFamily="50" charset="-127"/>
+            </a:endParaRPr>
           </a:p>
         </p:txBody>
       </p:sp>
@@ -4296,6 +4323,13 @@
   <p:clrMapOvr>
     <a:masterClrMapping/>
   </p:clrMapOvr>
+  <p:timing>
+    <p:tnLst>
+      <p:par>
+        <p:cTn id="1" dur="indefinite" restart="never" nodeType="tmRoot"/>
+      </p:par>
+    </p:tnLst>
+  </p:timing>
 </p:sld>
 </file>
 

--- a/4week/ppt/4week.pptx
+++ b/4week/ppt/4week.pptx
@@ -15,7 +15,7 @@
     <p:sldId id="266" r:id="rId6"/>
     <p:sldId id="268" r:id="rId7"/>
     <p:sldId id="271" r:id="rId8"/>
-    <p:sldId id="270" r:id="rId9"/>
+    <p:sldId id="275" r:id="rId9"/>
     <p:sldId id="269" r:id="rId10"/>
     <p:sldId id="272" r:id="rId11"/>
     <p:sldId id="273" r:id="rId12"/>
@@ -4696,7 +4696,7 @@
               </a:lnSpc>
             </a:pPr>
             <a:r>
-              <a:rPr lang="en-US" altLang="ko-KR" sz="4800" spc="600" dirty="0" smtClean="0">
+              <a:rPr lang="en-US" altLang="ko-KR" sz="4800" spc="600" smtClean="0">
                 <a:solidFill>
                   <a:srgbClr val="FF0000"/>
                 </a:solidFill>
@@ -4713,7 +4713,7 @@
               <a:t>S</a:t>
             </a:r>
             <a:r>
-              <a:rPr lang="en-US" altLang="ko-KR" sz="4800" spc="600" dirty="0" smtClean="0">
+              <a:rPr lang="en-US" altLang="ko-KR" sz="4800" spc="600" smtClean="0">
                 <a:gradFill>
                   <a:gsLst>
                     <a:gs pos="0">
@@ -4737,7 +4737,7 @@
               </a:rPr>
               <a:t>ensor</a:t>
             </a:r>
-            <a:endParaRPr lang="ko-KR" altLang="en-US" sz="4800" spc="600" dirty="0">
+            <a:endParaRPr lang="en-US" altLang="ko-KR" sz="4800" spc="600" dirty="0">
               <a:gradFill>
                 <a:gsLst>
                   <a:gs pos="0">
@@ -4818,7 +4818,7 @@
     </p:spTree>
     <p:extLst>
       <p:ext uri="{BB962C8B-B14F-4D97-AF65-F5344CB8AC3E}">
-        <p14:creationId xmlns:p14="http://schemas.microsoft.com/office/powerpoint/2010/main" val="175507475"/>
+        <p14:creationId xmlns:p14="http://schemas.microsoft.com/office/powerpoint/2010/main" val="4077223907"/>
       </p:ext>
     </p:extLst>
   </p:cSld>

--- a/4week/ppt/4week.pptx
+++ b/4week/ppt/4week.pptx
@@ -5,22 +5,25 @@
     <p:sldMasterId id="2147483660" r:id="rId1"/>
   </p:sldMasterIdLst>
   <p:notesMasterIdLst>
-    <p:notesMasterId r:id="rId15"/>
+    <p:notesMasterId r:id="rId18"/>
   </p:notesMasterIdLst>
   <p:sldIdLst>
     <p:sldId id="262" r:id="rId2"/>
     <p:sldId id="261" r:id="rId3"/>
     <p:sldId id="263" r:id="rId4"/>
     <p:sldId id="267" r:id="rId5"/>
-    <p:sldId id="266" r:id="rId6"/>
-    <p:sldId id="268" r:id="rId7"/>
-    <p:sldId id="271" r:id="rId8"/>
-    <p:sldId id="270" r:id="rId9"/>
-    <p:sldId id="269" r:id="rId10"/>
-    <p:sldId id="272" r:id="rId11"/>
-    <p:sldId id="273" r:id="rId12"/>
-    <p:sldId id="274" r:id="rId13"/>
-    <p:sldId id="265" r:id="rId14"/>
+    <p:sldId id="277" r:id="rId6"/>
+    <p:sldId id="275" r:id="rId7"/>
+    <p:sldId id="278" r:id="rId8"/>
+    <p:sldId id="266" r:id="rId9"/>
+    <p:sldId id="276" r:id="rId10"/>
+    <p:sldId id="271" r:id="rId11"/>
+    <p:sldId id="270" r:id="rId12"/>
+    <p:sldId id="269" r:id="rId13"/>
+    <p:sldId id="272" r:id="rId14"/>
+    <p:sldId id="273" r:id="rId15"/>
+    <p:sldId id="274" r:id="rId16"/>
+    <p:sldId id="265" r:id="rId17"/>
   </p:sldIdLst>
   <p:sldSz cx="9144000" cy="6858000" type="screen4x3"/>
   <p:notesSz cx="6858000" cy="9144000"/>
@@ -475,6 +478,464 @@
     </a:lvl9pPr>
   </p:notesStyle>
 </p:notesMaster>
+</file>
+
+<file path=ppt/notesSlides/notesSlide1.xml><?xml version="1.0" encoding="utf-8"?>
+<p:notes xmlns:a="http://schemas.openxmlformats.org/drawingml/2006/main" xmlns:r="http://schemas.openxmlformats.org/officeDocument/2006/relationships" xmlns:p="http://schemas.openxmlformats.org/presentationml/2006/main">
+  <p:cSld>
+    <p:spTree>
+      <p:nvGrpSpPr>
+        <p:cNvPr id="1" name=""/>
+        <p:cNvGrpSpPr/>
+        <p:nvPr/>
+      </p:nvGrpSpPr>
+      <p:grpSpPr>
+        <a:xfrm>
+          <a:off x="0" y="0"/>
+          <a:ext cx="0" cy="0"/>
+          <a:chOff x="0" y="0"/>
+          <a:chExt cx="0" cy="0"/>
+        </a:xfrm>
+      </p:grpSpPr>
+      <p:sp>
+        <p:nvSpPr>
+          <p:cNvPr id="2" name="슬라이드 이미지 개체 틀 1"/>
+          <p:cNvSpPr>
+            <a:spLocks noGrp="1" noRot="1" noChangeAspect="1"/>
+          </p:cNvSpPr>
+          <p:nvPr>
+            <p:ph type="sldImg"/>
+          </p:nvPr>
+        </p:nvSpPr>
+        <p:spPr/>
+      </p:sp>
+      <p:sp>
+        <p:nvSpPr>
+          <p:cNvPr id="3" name="슬라이드 노트 개체 틀 2"/>
+          <p:cNvSpPr>
+            <a:spLocks noGrp="1"/>
+          </p:cNvSpPr>
+          <p:nvPr>
+            <p:ph type="body" idx="1"/>
+          </p:nvPr>
+        </p:nvSpPr>
+        <p:spPr/>
+        <p:txBody>
+          <a:bodyPr/>
+          <a:lstStyle/>
+          <a:p>
+            <a:endParaRPr lang="ko-KR" altLang="en-US" dirty="0"/>
+          </a:p>
+        </p:txBody>
+      </p:sp>
+      <p:sp>
+        <p:nvSpPr>
+          <p:cNvPr id="4" name="슬라이드 번호 개체 틀 3"/>
+          <p:cNvSpPr>
+            <a:spLocks noGrp="1"/>
+          </p:cNvSpPr>
+          <p:nvPr>
+            <p:ph type="sldNum" sz="quarter" idx="10"/>
+          </p:nvPr>
+        </p:nvSpPr>
+        <p:spPr/>
+        <p:txBody>
+          <a:bodyPr/>
+          <a:lstStyle/>
+          <a:p>
+            <a:fld id="{80DB27A2-3C4B-459A-A634-BE883C249080}" type="slidenum">
+              <a:rPr lang="ko-KR" altLang="en-US" smtClean="0"/>
+              <a:t>1</a:t>
+            </a:fld>
+            <a:endParaRPr lang="ko-KR" altLang="en-US"/>
+          </a:p>
+        </p:txBody>
+      </p:sp>
+    </p:spTree>
+    <p:extLst>
+      <p:ext uri="{BB962C8B-B14F-4D97-AF65-F5344CB8AC3E}">
+        <p14:creationId xmlns:p14="http://schemas.microsoft.com/office/powerpoint/2010/main" val="20146893"/>
+      </p:ext>
+    </p:extLst>
+  </p:cSld>
+  <p:clrMapOvr>
+    <a:masterClrMapping/>
+  </p:clrMapOvr>
+</p:notes>
+</file>
+
+<file path=ppt/notesSlides/notesSlide2.xml><?xml version="1.0" encoding="utf-8"?>
+<p:notes xmlns:a="http://schemas.openxmlformats.org/drawingml/2006/main" xmlns:r="http://schemas.openxmlformats.org/officeDocument/2006/relationships" xmlns:p="http://schemas.openxmlformats.org/presentationml/2006/main">
+  <p:cSld>
+    <p:spTree>
+      <p:nvGrpSpPr>
+        <p:cNvPr id="1" name=""/>
+        <p:cNvGrpSpPr/>
+        <p:nvPr/>
+      </p:nvGrpSpPr>
+      <p:grpSpPr>
+        <a:xfrm>
+          <a:off x="0" y="0"/>
+          <a:ext cx="0" cy="0"/>
+          <a:chOff x="0" y="0"/>
+          <a:chExt cx="0" cy="0"/>
+        </a:xfrm>
+      </p:grpSpPr>
+      <p:sp>
+        <p:nvSpPr>
+          <p:cNvPr id="2" name="슬라이드 이미지 개체 틀 1"/>
+          <p:cNvSpPr>
+            <a:spLocks noGrp="1" noRot="1" noChangeAspect="1"/>
+          </p:cNvSpPr>
+          <p:nvPr>
+            <p:ph type="sldImg"/>
+          </p:nvPr>
+        </p:nvSpPr>
+        <p:spPr/>
+      </p:sp>
+      <p:sp>
+        <p:nvSpPr>
+          <p:cNvPr id="3" name="슬라이드 노트 개체 틀 2"/>
+          <p:cNvSpPr>
+            <a:spLocks noGrp="1"/>
+          </p:cNvSpPr>
+          <p:nvPr>
+            <p:ph type="body" idx="1"/>
+          </p:nvPr>
+        </p:nvSpPr>
+        <p:spPr/>
+        <p:txBody>
+          <a:bodyPr/>
+          <a:lstStyle/>
+          <a:p>
+            <a:r>
+              <a:rPr lang="en-US" altLang="ko-KR" dirty="0" smtClean="0"/>
+              <a:t>Today</a:t>
+            </a:r>
+            <a:r>
+              <a:rPr lang="en-US" altLang="ko-KR" baseline="0" dirty="0" smtClean="0"/>
+              <a:t> </a:t>
+            </a:r>
+            <a:r>
+              <a:rPr lang="en-US" altLang="ko-KR" baseline="0" dirty="0" err="1" smtClean="0"/>
+              <a:t>cteam</a:t>
+            </a:r>
+            <a:r>
+              <a:rPr lang="en-US" altLang="ko-KR" baseline="0" dirty="0" smtClean="0"/>
+              <a:t> contents are block diagram of each part and what we did last week.</a:t>
+            </a:r>
+          </a:p>
+          <a:p>
+            <a:r>
+              <a:rPr lang="en-US" altLang="ko-KR" baseline="0" dirty="0" smtClean="0"/>
+              <a:t>Web team will start first.</a:t>
+            </a:r>
+            <a:endParaRPr lang="ko-KR" altLang="en-US" dirty="0"/>
+          </a:p>
+        </p:txBody>
+      </p:sp>
+      <p:sp>
+        <p:nvSpPr>
+          <p:cNvPr id="4" name="슬라이드 번호 개체 틀 3"/>
+          <p:cNvSpPr>
+            <a:spLocks noGrp="1"/>
+          </p:cNvSpPr>
+          <p:nvPr>
+            <p:ph type="sldNum" sz="quarter" idx="10"/>
+          </p:nvPr>
+        </p:nvSpPr>
+        <p:spPr/>
+        <p:txBody>
+          <a:bodyPr/>
+          <a:lstStyle/>
+          <a:p>
+            <a:fld id="{80DB27A2-3C4B-459A-A634-BE883C249080}" type="slidenum">
+              <a:rPr lang="ko-KR" altLang="en-US" smtClean="0"/>
+              <a:t>2</a:t>
+            </a:fld>
+            <a:endParaRPr lang="ko-KR" altLang="en-US"/>
+          </a:p>
+        </p:txBody>
+      </p:sp>
+    </p:spTree>
+    <p:extLst>
+      <p:ext uri="{BB962C8B-B14F-4D97-AF65-F5344CB8AC3E}">
+        <p14:creationId xmlns:p14="http://schemas.microsoft.com/office/powerpoint/2010/main" val="2618062592"/>
+      </p:ext>
+    </p:extLst>
+  </p:cSld>
+  <p:clrMapOvr>
+    <a:masterClrMapping/>
+  </p:clrMapOvr>
+</p:notes>
+</file>
+
+<file path=ppt/notesSlides/notesSlide3.xml><?xml version="1.0" encoding="utf-8"?>
+<p:notes xmlns:a="http://schemas.openxmlformats.org/drawingml/2006/main" xmlns:r="http://schemas.openxmlformats.org/officeDocument/2006/relationships" xmlns:p="http://schemas.openxmlformats.org/presentationml/2006/main">
+  <p:cSld>
+    <p:spTree>
+      <p:nvGrpSpPr>
+        <p:cNvPr id="1" name=""/>
+        <p:cNvGrpSpPr/>
+        <p:nvPr/>
+      </p:nvGrpSpPr>
+      <p:grpSpPr>
+        <a:xfrm>
+          <a:off x="0" y="0"/>
+          <a:ext cx="0" cy="0"/>
+          <a:chOff x="0" y="0"/>
+          <a:chExt cx="0" cy="0"/>
+        </a:xfrm>
+      </p:grpSpPr>
+      <p:sp>
+        <p:nvSpPr>
+          <p:cNvPr id="2" name="슬라이드 이미지 개체 틀 1"/>
+          <p:cNvSpPr>
+            <a:spLocks noGrp="1" noRot="1" noChangeAspect="1"/>
+          </p:cNvSpPr>
+          <p:nvPr>
+            <p:ph type="sldImg"/>
+          </p:nvPr>
+        </p:nvSpPr>
+        <p:spPr/>
+      </p:sp>
+      <p:sp>
+        <p:nvSpPr>
+          <p:cNvPr id="3" name="슬라이드 노트 개체 틀 2"/>
+          <p:cNvSpPr>
+            <a:spLocks noGrp="1"/>
+          </p:cNvSpPr>
+          <p:nvPr>
+            <p:ph type="body" idx="1"/>
+          </p:nvPr>
+        </p:nvSpPr>
+        <p:spPr/>
+        <p:txBody>
+          <a:bodyPr/>
+          <a:lstStyle/>
+          <a:p>
+            <a:r>
+              <a:rPr lang="en-US" altLang="ko-KR" dirty="0" smtClean="0"/>
+              <a:t>we made 8 block diagram per each but we don't have enough time. so today just show you about signup and history data. and if you give me some advice we will refer your feedback on all block diagram. </a:t>
+            </a:r>
+            <a:endParaRPr lang="ko-KR" altLang="en-US" dirty="0"/>
+          </a:p>
+        </p:txBody>
+      </p:sp>
+      <p:sp>
+        <p:nvSpPr>
+          <p:cNvPr id="4" name="슬라이드 번호 개체 틀 3"/>
+          <p:cNvSpPr>
+            <a:spLocks noGrp="1"/>
+          </p:cNvSpPr>
+          <p:nvPr>
+            <p:ph type="sldNum" sz="quarter" idx="10"/>
+          </p:nvPr>
+        </p:nvSpPr>
+        <p:spPr/>
+        <p:txBody>
+          <a:bodyPr/>
+          <a:lstStyle/>
+          <a:p>
+            <a:fld id="{80DB27A2-3C4B-459A-A634-BE883C249080}" type="slidenum">
+              <a:rPr lang="ko-KR" altLang="en-US" smtClean="0"/>
+              <a:t>3</a:t>
+            </a:fld>
+            <a:endParaRPr lang="ko-KR" altLang="en-US"/>
+          </a:p>
+        </p:txBody>
+      </p:sp>
+    </p:spTree>
+    <p:extLst>
+      <p:ext uri="{BB962C8B-B14F-4D97-AF65-F5344CB8AC3E}">
+        <p14:creationId xmlns:p14="http://schemas.microsoft.com/office/powerpoint/2010/main" val="3219240210"/>
+      </p:ext>
+    </p:extLst>
+  </p:cSld>
+  <p:clrMapOvr>
+    <a:masterClrMapping/>
+  </p:clrMapOvr>
+</p:notes>
+</file>
+
+<file path=ppt/notesSlides/notesSlide4.xml><?xml version="1.0" encoding="utf-8"?>
+<p:notes xmlns:a="http://schemas.openxmlformats.org/drawingml/2006/main" xmlns:r="http://schemas.openxmlformats.org/officeDocument/2006/relationships" xmlns:p="http://schemas.openxmlformats.org/presentationml/2006/main">
+  <p:cSld>
+    <p:spTree>
+      <p:nvGrpSpPr>
+        <p:cNvPr id="1" name=""/>
+        <p:cNvGrpSpPr/>
+        <p:nvPr/>
+      </p:nvGrpSpPr>
+      <p:grpSpPr>
+        <a:xfrm>
+          <a:off x="0" y="0"/>
+          <a:ext cx="0" cy="0"/>
+          <a:chOff x="0" y="0"/>
+          <a:chExt cx="0" cy="0"/>
+        </a:xfrm>
+      </p:grpSpPr>
+      <p:sp>
+        <p:nvSpPr>
+          <p:cNvPr id="2" name="슬라이드 이미지 개체 틀 1"/>
+          <p:cNvSpPr>
+            <a:spLocks noGrp="1" noRot="1" noChangeAspect="1"/>
+          </p:cNvSpPr>
+          <p:nvPr>
+            <p:ph type="sldImg"/>
+          </p:nvPr>
+        </p:nvSpPr>
+        <p:spPr/>
+      </p:sp>
+      <p:sp>
+        <p:nvSpPr>
+          <p:cNvPr id="3" name="슬라이드 노트 개체 틀 2"/>
+          <p:cNvSpPr>
+            <a:spLocks noGrp="1"/>
+          </p:cNvSpPr>
+          <p:nvPr>
+            <p:ph type="body" idx="1"/>
+          </p:nvPr>
+        </p:nvSpPr>
+        <p:spPr/>
+        <p:txBody>
+          <a:bodyPr/>
+          <a:lstStyle/>
+          <a:p>
+            <a:r>
+              <a:rPr lang="en-US" altLang="ko-KR" dirty="0" smtClean="0"/>
+              <a:t>We defined the parameters and data form we used in the diagram. Each diagram is declared differently.</a:t>
+            </a:r>
+            <a:endParaRPr lang="ko-KR" altLang="en-US" dirty="0"/>
+          </a:p>
+        </p:txBody>
+      </p:sp>
+      <p:sp>
+        <p:nvSpPr>
+          <p:cNvPr id="4" name="슬라이드 번호 개체 틀 3"/>
+          <p:cNvSpPr>
+            <a:spLocks noGrp="1"/>
+          </p:cNvSpPr>
+          <p:nvPr>
+            <p:ph type="sldNum" sz="quarter" idx="10"/>
+          </p:nvPr>
+        </p:nvSpPr>
+        <p:spPr/>
+        <p:txBody>
+          <a:bodyPr/>
+          <a:lstStyle/>
+          <a:p>
+            <a:fld id="{80DB27A2-3C4B-459A-A634-BE883C249080}" type="slidenum">
+              <a:rPr lang="ko-KR" altLang="en-US" smtClean="0"/>
+              <a:t>4</a:t>
+            </a:fld>
+            <a:endParaRPr lang="ko-KR" altLang="en-US"/>
+          </a:p>
+        </p:txBody>
+      </p:sp>
+    </p:spTree>
+    <p:extLst>
+      <p:ext uri="{BB962C8B-B14F-4D97-AF65-F5344CB8AC3E}">
+        <p14:creationId xmlns:p14="http://schemas.microsoft.com/office/powerpoint/2010/main" val="3857522005"/>
+      </p:ext>
+    </p:extLst>
+  </p:cSld>
+  <p:clrMapOvr>
+    <a:masterClrMapping/>
+  </p:clrMapOvr>
+</p:notes>
+</file>
+
+<file path=ppt/notesSlides/notesSlide5.xml><?xml version="1.0" encoding="utf-8"?>
+<p:notes xmlns:a="http://schemas.openxmlformats.org/drawingml/2006/main" xmlns:r="http://schemas.openxmlformats.org/officeDocument/2006/relationships" xmlns:p="http://schemas.openxmlformats.org/presentationml/2006/main">
+  <p:cSld>
+    <p:spTree>
+      <p:nvGrpSpPr>
+        <p:cNvPr id="1" name=""/>
+        <p:cNvGrpSpPr/>
+        <p:nvPr/>
+      </p:nvGrpSpPr>
+      <p:grpSpPr>
+        <a:xfrm>
+          <a:off x="0" y="0"/>
+          <a:ext cx="0" cy="0"/>
+          <a:chOff x="0" y="0"/>
+          <a:chExt cx="0" cy="0"/>
+        </a:xfrm>
+      </p:grpSpPr>
+      <p:sp>
+        <p:nvSpPr>
+          <p:cNvPr id="2" name="슬라이드 이미지 개체 틀 1"/>
+          <p:cNvSpPr>
+            <a:spLocks noGrp="1" noRot="1" noChangeAspect="1"/>
+          </p:cNvSpPr>
+          <p:nvPr>
+            <p:ph type="sldImg"/>
+          </p:nvPr>
+        </p:nvSpPr>
+        <p:spPr/>
+      </p:sp>
+      <p:sp>
+        <p:nvSpPr>
+          <p:cNvPr id="3" name="슬라이드 노트 개체 틀 2"/>
+          <p:cNvSpPr>
+            <a:spLocks noGrp="1"/>
+          </p:cNvSpPr>
+          <p:nvPr>
+            <p:ph type="body" idx="1"/>
+          </p:nvPr>
+        </p:nvSpPr>
+        <p:spPr/>
+        <p:txBody>
+          <a:bodyPr/>
+          <a:lstStyle/>
+          <a:p>
+            <a:r>
+              <a:rPr lang="en-US" altLang="ko-KR" dirty="0" smtClean="0"/>
+              <a:t>On and on </a:t>
+            </a:r>
+            <a:r>
+              <a:rPr lang="en-US" altLang="ko-KR" baseline="0" dirty="0" smtClean="0"/>
+              <a:t>we will announce the sensor part.  Jim is next presenter</a:t>
+            </a:r>
+            <a:endParaRPr lang="ko-KR" altLang="en-US" dirty="0"/>
+          </a:p>
+        </p:txBody>
+      </p:sp>
+      <p:sp>
+        <p:nvSpPr>
+          <p:cNvPr id="4" name="슬라이드 번호 개체 틀 3"/>
+          <p:cNvSpPr>
+            <a:spLocks noGrp="1"/>
+          </p:cNvSpPr>
+          <p:nvPr>
+            <p:ph type="sldNum" sz="quarter" idx="10"/>
+          </p:nvPr>
+        </p:nvSpPr>
+        <p:spPr/>
+        <p:txBody>
+          <a:bodyPr/>
+          <a:lstStyle/>
+          <a:p>
+            <a:fld id="{80DB27A2-3C4B-459A-A634-BE883C249080}" type="slidenum">
+              <a:rPr lang="ko-KR" altLang="en-US" smtClean="0"/>
+              <a:t>10</a:t>
+            </a:fld>
+            <a:endParaRPr lang="ko-KR" altLang="en-US"/>
+          </a:p>
+        </p:txBody>
+      </p:sp>
+    </p:spTree>
+    <p:extLst>
+      <p:ext uri="{BB962C8B-B14F-4D97-AF65-F5344CB8AC3E}">
+        <p14:creationId xmlns:p14="http://schemas.microsoft.com/office/powerpoint/2010/main" val="4007434705"/>
+      </p:ext>
+    </p:extLst>
+  </p:cSld>
+  <p:clrMapOvr>
+    <a:masterClrMapping/>
+  </p:clrMapOvr>
+</p:notes>
 </file>
 
 <file path=ppt/slideLayouts/slideLayout1.xml><?xml version="1.0" encoding="utf-8"?>
@@ -3349,10 +3810,104 @@
           </a:p>
         </p:txBody>
       </p:sp>
+      <p:sp>
+        <p:nvSpPr>
+          <p:cNvPr id="4" name="TextBox 3"/>
+          <p:cNvSpPr txBox="1"/>
+          <p:nvPr/>
+        </p:nvSpPr>
+        <p:spPr>
+          <a:xfrm>
+            <a:off x="251520" y="3566875"/>
+            <a:ext cx="7114480" cy="720197"/>
+          </a:xfrm>
+          <a:prstGeom prst="rect">
+            <a:avLst/>
+          </a:prstGeom>
+          <a:noFill/>
+        </p:spPr>
+        <p:txBody>
+          <a:bodyPr wrap="square" rtlCol="0">
+            <a:spAutoFit/>
+          </a:bodyPr>
+          <a:lstStyle/>
+          <a:p>
+            <a:pPr>
+              <a:lnSpc>
+                <a:spcPct val="85000"/>
+              </a:lnSpc>
+            </a:pPr>
+            <a:r>
+              <a:rPr lang="en-US" altLang="ko-KR" sz="4800" spc="600" dirty="0" smtClean="0">
+                <a:solidFill>
+                  <a:srgbClr val="FF0000"/>
+                </a:solidFill>
+                <a:effectLst>
+                  <a:outerShdw blurRad="38100" dist="38100" dir="2700000" algn="tl">
+                    <a:srgbClr val="000000">
+                      <a:alpha val="43137"/>
+                    </a:srgbClr>
+                  </a:outerShdw>
+                </a:effectLst>
+                <a:latin typeface="나눔고딕" pitchFamily="50" charset="-127"/>
+                <a:ea typeface="나눔고딕" pitchFamily="50" charset="-127"/>
+              </a:rPr>
+              <a:t>S</a:t>
+            </a:r>
+            <a:r>
+              <a:rPr lang="en-US" altLang="ko-KR" sz="4800" spc="600" dirty="0" smtClean="0">
+                <a:gradFill>
+                  <a:gsLst>
+                    <a:gs pos="0">
+                      <a:srgbClr val="7E858E"/>
+                    </a:gs>
+                    <a:gs pos="50000">
+                      <a:srgbClr val="7E858E"/>
+                    </a:gs>
+                  </a:gsLst>
+                  <a:lin ang="5400000" scaled="0"/>
+                </a:gradFill>
+                <a:effectLst>
+                  <a:outerShdw blurRad="38100" dist="38100" dir="2700000" algn="tl">
+                    <a:srgbClr val="000000">
+                      <a:alpha val="43137"/>
+                    </a:srgbClr>
+                  </a:outerShdw>
+                </a:effectLst>
+                <a:latin typeface="나눔고딕" pitchFamily="50" charset="-127"/>
+                <a:ea typeface="나눔고딕" pitchFamily="50" charset="-127"/>
+              </a:rPr>
+              <a:t>ensor</a:t>
+            </a:r>
+            <a:endParaRPr lang="ko-KR" altLang="en-US" sz="4800" spc="600" dirty="0">
+              <a:gradFill>
+                <a:gsLst>
+                  <a:gs pos="0">
+                    <a:srgbClr val="7E858E"/>
+                  </a:gs>
+                  <a:gs pos="50000">
+                    <a:srgbClr val="7E858E"/>
+                  </a:gs>
+                </a:gsLst>
+                <a:lin ang="5400000" scaled="0"/>
+              </a:gradFill>
+              <a:effectLst>
+                <a:outerShdw blurRad="38100" dist="38100" dir="2700000" algn="tl">
+                  <a:srgbClr val="000000">
+                    <a:alpha val="43137"/>
+                  </a:srgbClr>
+                </a:outerShdw>
+              </a:effectLst>
+              <a:latin typeface="나눔고딕" pitchFamily="50" charset="-127"/>
+              <a:ea typeface="나눔고딕" pitchFamily="50" charset="-127"/>
+            </a:endParaRPr>
+          </a:p>
+        </p:txBody>
+      </p:sp>
     </p:spTree>
     <p:extLst>
       <p:ext uri="{BB962C8B-B14F-4D97-AF65-F5344CB8AC3E}">
-        <p14:creationId xmlns:p14="http://schemas.microsoft.com/office/powerpoint/2010/main" val="1092081652"/>
+        <p14:creationId xmlns:p14="http://schemas.microsoft.com/office/powerpoint/2010/main" val="1955136371"/>
       </p:ext>
     </p:extLst>
   </p:cSld>
@@ -3402,146 +3957,10 @@
           </a:p>
         </p:txBody>
       </p:sp>
-      <p:sp>
-        <p:nvSpPr>
-          <p:cNvPr id="4" name="TextBox 3"/>
-          <p:cNvSpPr txBox="1"/>
-          <p:nvPr/>
-        </p:nvSpPr>
-        <p:spPr>
-          <a:xfrm>
-            <a:off x="251520" y="3566875"/>
-            <a:ext cx="7114480" cy="720197"/>
-          </a:xfrm>
-          <a:prstGeom prst="rect">
-            <a:avLst/>
-          </a:prstGeom>
-          <a:noFill/>
-        </p:spPr>
-        <p:txBody>
-          <a:bodyPr wrap="square" rtlCol="0">
-            <a:spAutoFit/>
-          </a:bodyPr>
-          <a:lstStyle/>
-          <a:p>
-            <a:pPr>
-              <a:lnSpc>
-                <a:spcPct val="85000"/>
-              </a:lnSpc>
-            </a:pPr>
-            <a:r>
-              <a:rPr lang="en-US" altLang="ko-KR" sz="4800" spc="600" dirty="0" smtClean="0">
-                <a:solidFill>
-                  <a:srgbClr val="FF0000"/>
-                </a:solidFill>
-                <a:effectLst>
-                  <a:outerShdw blurRad="38100" dist="38100" dir="2700000" algn="tl">
-                    <a:srgbClr val="000000">
-                      <a:alpha val="43137"/>
-                    </a:srgbClr>
-                  </a:outerShdw>
-                </a:effectLst>
-                <a:latin typeface="나눔고딕" pitchFamily="50" charset="-127"/>
-                <a:ea typeface="나눔고딕" pitchFamily="50" charset="-127"/>
-              </a:rPr>
-              <a:t>A</a:t>
-            </a:r>
-            <a:r>
-              <a:rPr lang="en-US" altLang="ko-KR" sz="4800" spc="600" dirty="0" smtClean="0">
-                <a:gradFill>
-                  <a:gsLst>
-                    <a:gs pos="0">
-                      <a:srgbClr val="7E858E"/>
-                    </a:gs>
-                    <a:gs pos="50000">
-                      <a:srgbClr val="7E858E"/>
-                    </a:gs>
-                  </a:gsLst>
-                  <a:lin ang="5400000" scaled="0"/>
-                </a:gradFill>
-                <a:effectLst>
-                  <a:outerShdw blurRad="38100" dist="38100" dir="2700000" algn="tl">
-                    <a:srgbClr val="000000">
-                      <a:alpha val="43137"/>
-                    </a:srgbClr>
-                  </a:outerShdw>
-                </a:effectLst>
-                <a:latin typeface="나눔고딕" pitchFamily="50" charset="-127"/>
-                <a:ea typeface="나눔고딕" pitchFamily="50" charset="-127"/>
-              </a:rPr>
-              <a:t>pp </a:t>
-            </a:r>
-            <a:r>
-              <a:rPr lang="en-US" altLang="ko-KR" sz="4800" spc="600" dirty="0" smtClean="0">
-                <a:solidFill>
-                  <a:srgbClr val="FF0000"/>
-                </a:solidFill>
-                <a:effectLst>
-                  <a:outerShdw blurRad="38100" dist="38100" dir="2700000" algn="tl">
-                    <a:srgbClr val="000000">
-                      <a:alpha val="43137"/>
-                    </a:srgbClr>
-                  </a:outerShdw>
-                </a:effectLst>
-                <a:latin typeface="나눔고딕" pitchFamily="50" charset="-127"/>
-                <a:ea typeface="나눔고딕" pitchFamily="50" charset="-127"/>
-              </a:rPr>
-              <a:t>C</a:t>
-            </a:r>
-            <a:r>
-              <a:rPr lang="en-US" altLang="ko-KR" sz="4800" spc="600" dirty="0" smtClean="0">
-                <a:gradFill>
-                  <a:gsLst>
-                    <a:gs pos="0">
-                      <a:srgbClr val="7E858E"/>
-                    </a:gs>
-                    <a:gs pos="50000">
-                      <a:srgbClr val="7E858E"/>
-                    </a:gs>
-                  </a:gsLst>
-                  <a:lin ang="5400000" scaled="0"/>
-                </a:gradFill>
-                <a:effectLst>
-                  <a:outerShdw blurRad="38100" dist="38100" dir="2700000" algn="tl">
-                    <a:srgbClr val="000000">
-                      <a:alpha val="43137"/>
-                    </a:srgbClr>
-                  </a:outerShdw>
-                </a:effectLst>
-                <a:latin typeface="나눔고딕" pitchFamily="50" charset="-127"/>
-                <a:ea typeface="나눔고딕" pitchFamily="50" charset="-127"/>
-              </a:rPr>
-              <a:t>lient</a:t>
-            </a:r>
-            <a:endParaRPr lang="ko-KR" altLang="en-US" sz="4800" spc="600" dirty="0">
-              <a:gradFill>
-                <a:gsLst>
-                  <a:gs pos="0">
-                    <a:srgbClr val="7E858E"/>
-                  </a:gs>
-                  <a:gs pos="50000">
-                    <a:srgbClr val="7E858E"/>
-                  </a:gs>
-                </a:gsLst>
-                <a:lin ang="5400000" scaled="0"/>
-              </a:gradFill>
-              <a:effectLst>
-                <a:outerShdw blurRad="38100" dist="38100" dir="2700000" algn="tl">
-                  <a:srgbClr val="000000">
-                    <a:alpha val="43137"/>
-                  </a:srgbClr>
-                </a:outerShdw>
-              </a:effectLst>
-              <a:latin typeface="나눔고딕" pitchFamily="50" charset="-127"/>
-              <a:ea typeface="나눔고딕" pitchFamily="50" charset="-127"/>
-            </a:endParaRPr>
-          </a:p>
-        </p:txBody>
-      </p:sp>
     </p:spTree>
     <p:extLst>
       <p:ext uri="{BB962C8B-B14F-4D97-AF65-F5344CB8AC3E}">
-        <p14:creationId xmlns:p14="http://schemas.microsoft.com/office/powerpoint/2010/main" val="1039170619"/>
+        <p14:creationId xmlns:p14="http://schemas.microsoft.com/office/powerpoint/2010/main" val="175507475"/>
       </p:ext>
     </p:extLst>
   </p:cSld>
@@ -3591,10 +4010,207 @@
           </a:p>
         </p:txBody>
       </p:sp>
+      <p:sp>
+        <p:nvSpPr>
+          <p:cNvPr id="4" name="TextBox 3"/>
+          <p:cNvSpPr txBox="1"/>
+          <p:nvPr/>
+        </p:nvSpPr>
+        <p:spPr>
+          <a:xfrm>
+            <a:off x="251520" y="3566875"/>
+            <a:ext cx="7114480" cy="720197"/>
+          </a:xfrm>
+          <a:prstGeom prst="rect">
+            <a:avLst/>
+          </a:prstGeom>
+          <a:noFill/>
+        </p:spPr>
+        <p:txBody>
+          <a:bodyPr wrap="square" rtlCol="0">
+            <a:spAutoFit/>
+          </a:bodyPr>
+          <a:lstStyle/>
+          <a:p>
+            <a:pPr>
+              <a:lnSpc>
+                <a:spcPct val="85000"/>
+              </a:lnSpc>
+            </a:pPr>
+            <a:r>
+              <a:rPr lang="en-US" altLang="ko-KR" sz="4800" spc="600" dirty="0" smtClean="0">
+                <a:solidFill>
+                  <a:srgbClr val="FF0000"/>
+                </a:solidFill>
+                <a:effectLst>
+                  <a:outerShdw blurRad="38100" dist="38100" dir="2700000" algn="tl">
+                    <a:srgbClr val="000000">
+                      <a:alpha val="43137"/>
+                    </a:srgbClr>
+                  </a:outerShdw>
+                </a:effectLst>
+                <a:latin typeface="나눔고딕" pitchFamily="50" charset="-127"/>
+                <a:ea typeface="나눔고딕" pitchFamily="50" charset="-127"/>
+              </a:rPr>
+              <a:t>A</a:t>
+            </a:r>
+            <a:r>
+              <a:rPr lang="en-US" altLang="ko-KR" sz="4800" spc="600" dirty="0" smtClean="0">
+                <a:solidFill>
+                  <a:schemeClr val="bg1">
+                    <a:lumMod val="50000"/>
+                  </a:schemeClr>
+                </a:solidFill>
+                <a:effectLst>
+                  <a:outerShdw blurRad="38100" dist="38100" dir="2700000" algn="tl">
+                    <a:srgbClr val="000000">
+                      <a:alpha val="43137"/>
+                    </a:srgbClr>
+                  </a:outerShdw>
+                </a:effectLst>
+                <a:latin typeface="나눔고딕" pitchFamily="50" charset="-127"/>
+                <a:ea typeface="나눔고딕" pitchFamily="50" charset="-127"/>
+              </a:rPr>
+              <a:t>pp</a:t>
+            </a:r>
+            <a:r>
+              <a:rPr lang="en-US" altLang="ko-KR" sz="4800" spc="600" dirty="0" smtClean="0">
+                <a:gradFill>
+                  <a:gsLst>
+                    <a:gs pos="0">
+                      <a:srgbClr val="7E858E"/>
+                    </a:gs>
+                    <a:gs pos="50000">
+                      <a:srgbClr val="7E858E"/>
+                    </a:gs>
+                  </a:gsLst>
+                  <a:lin ang="5400000" scaled="0"/>
+                </a:gradFill>
+                <a:effectLst>
+                  <a:outerShdw blurRad="38100" dist="38100" dir="2700000" algn="tl">
+                    <a:srgbClr val="000000">
+                      <a:alpha val="43137"/>
+                    </a:srgbClr>
+                  </a:outerShdw>
+                </a:effectLst>
+                <a:latin typeface="나눔고딕" pitchFamily="50" charset="-127"/>
+                <a:ea typeface="나눔고딕" pitchFamily="50" charset="-127"/>
+              </a:rPr>
+              <a:t> </a:t>
+            </a:r>
+            <a:r>
+              <a:rPr lang="en-US" altLang="ko-KR" sz="4800" spc="600" dirty="0" smtClean="0">
+                <a:solidFill>
+                  <a:srgbClr val="FF0000"/>
+                </a:solidFill>
+                <a:effectLst>
+                  <a:outerShdw blurRad="38100" dist="38100" dir="2700000" algn="tl">
+                    <a:srgbClr val="000000">
+                      <a:alpha val="43137"/>
+                    </a:srgbClr>
+                  </a:outerShdw>
+                </a:effectLst>
+                <a:latin typeface="나눔고딕" pitchFamily="50" charset="-127"/>
+                <a:ea typeface="나눔고딕" pitchFamily="50" charset="-127"/>
+              </a:rPr>
+              <a:t>B</a:t>
+            </a:r>
+            <a:r>
+              <a:rPr lang="en-US" altLang="ko-KR" sz="4800" spc="600" dirty="0" smtClean="0">
+                <a:gradFill>
+                  <a:gsLst>
+                    <a:gs pos="0">
+                      <a:srgbClr val="7E858E"/>
+                    </a:gs>
+                    <a:gs pos="50000">
+                      <a:srgbClr val="7E858E"/>
+                    </a:gs>
+                  </a:gsLst>
+                  <a:lin ang="5400000" scaled="0"/>
+                </a:gradFill>
+                <a:effectLst>
+                  <a:outerShdw blurRad="38100" dist="38100" dir="2700000" algn="tl">
+                    <a:srgbClr val="000000">
+                      <a:alpha val="43137"/>
+                    </a:srgbClr>
+                  </a:outerShdw>
+                </a:effectLst>
+                <a:latin typeface="나눔고딕" pitchFamily="50" charset="-127"/>
+                <a:ea typeface="나눔고딕" pitchFamily="50" charset="-127"/>
+              </a:rPr>
+              <a:t>lock </a:t>
+            </a:r>
+            <a:r>
+              <a:rPr lang="en-US" altLang="ko-KR" sz="4800" spc="600" dirty="0" smtClean="0">
+                <a:solidFill>
+                  <a:srgbClr val="FF0000"/>
+                </a:solidFill>
+                <a:effectLst>
+                  <a:outerShdw blurRad="38100" dist="38100" dir="2700000" algn="tl">
+                    <a:srgbClr val="000000">
+                      <a:alpha val="43137"/>
+                    </a:srgbClr>
+                  </a:outerShdw>
+                </a:effectLst>
+                <a:latin typeface="나눔고딕" pitchFamily="50" charset="-127"/>
+                <a:ea typeface="나눔고딕" pitchFamily="50" charset="-127"/>
+              </a:rPr>
+              <a:t>D</a:t>
+            </a:r>
+            <a:r>
+              <a:rPr lang="en-US" altLang="ko-KR" sz="4800" spc="600" dirty="0" smtClean="0">
+                <a:gradFill>
+                  <a:gsLst>
+                    <a:gs pos="0">
+                      <a:srgbClr val="7E858E"/>
+                    </a:gs>
+                    <a:gs pos="50000">
+                      <a:srgbClr val="7E858E"/>
+                    </a:gs>
+                  </a:gsLst>
+                  <a:lin ang="5400000" scaled="0"/>
+                </a:gradFill>
+                <a:effectLst>
+                  <a:outerShdw blurRad="38100" dist="38100" dir="2700000" algn="tl">
+                    <a:srgbClr val="000000">
+                      <a:alpha val="43137"/>
+                    </a:srgbClr>
+                  </a:outerShdw>
+                </a:effectLst>
+                <a:latin typeface="나눔고딕" pitchFamily="50" charset="-127"/>
+                <a:ea typeface="나눔고딕" pitchFamily="50" charset="-127"/>
+              </a:rPr>
+              <a:t>iagram</a:t>
+            </a:r>
+            <a:endParaRPr lang="ko-KR" altLang="en-US" sz="4800" spc="600" dirty="0">
+              <a:gradFill>
+                <a:gsLst>
+                  <a:gs pos="0">
+                    <a:srgbClr val="7E858E"/>
+                  </a:gs>
+                  <a:gs pos="50000">
+                    <a:srgbClr val="7E858E"/>
+                  </a:gs>
+                </a:gsLst>
+                <a:lin ang="5400000" scaled="0"/>
+              </a:gradFill>
+              <a:effectLst>
+                <a:outerShdw blurRad="38100" dist="38100" dir="2700000" algn="tl">
+                  <a:srgbClr val="000000">
+                    <a:alpha val="43137"/>
+                  </a:srgbClr>
+                </a:outerShdw>
+              </a:effectLst>
+              <a:latin typeface="나눔고딕" pitchFamily="50" charset="-127"/>
+              <a:ea typeface="나눔고딕" pitchFamily="50" charset="-127"/>
+            </a:endParaRPr>
+          </a:p>
+        </p:txBody>
+      </p:sp>
     </p:spTree>
     <p:extLst>
       <p:ext uri="{BB962C8B-B14F-4D97-AF65-F5344CB8AC3E}">
-        <p14:creationId xmlns:p14="http://schemas.microsoft.com/office/powerpoint/2010/main" val="284795879"/>
+        <p14:creationId xmlns:p14="http://schemas.microsoft.com/office/powerpoint/2010/main" val="167934523"/>
       </p:ext>
     </p:extLst>
   </p:cSld>
@@ -3639,6 +4255,301 @@
             <a:fld id="{B91F475D-C4CC-4CE8-81AD-732BFDCB340A}" type="slidenum">
               <a:rPr lang="ko-KR" altLang="en-US" smtClean="0"/>
               <a:t>13</a:t>
+            </a:fld>
+            <a:endParaRPr lang="ko-KR" altLang="en-US"/>
+          </a:p>
+        </p:txBody>
+      </p:sp>
+    </p:spTree>
+    <p:extLst>
+      <p:ext uri="{BB962C8B-B14F-4D97-AF65-F5344CB8AC3E}">
+        <p14:creationId xmlns:p14="http://schemas.microsoft.com/office/powerpoint/2010/main" val="1092081652"/>
+      </p:ext>
+    </p:extLst>
+  </p:cSld>
+  <p:clrMapOvr>
+    <a:masterClrMapping/>
+  </p:clrMapOvr>
+</p:sld>
+</file>
+
+<file path=ppt/slides/slide14.xml><?xml version="1.0" encoding="utf-8"?>
+<p:sld xmlns:a="http://schemas.openxmlformats.org/drawingml/2006/main" xmlns:r="http://schemas.openxmlformats.org/officeDocument/2006/relationships" xmlns:p="http://schemas.openxmlformats.org/presentationml/2006/main">
+  <p:cSld>
+    <p:spTree>
+      <p:nvGrpSpPr>
+        <p:cNvPr id="1" name=""/>
+        <p:cNvGrpSpPr/>
+        <p:nvPr/>
+      </p:nvGrpSpPr>
+      <p:grpSpPr>
+        <a:xfrm>
+          <a:off x="0" y="0"/>
+          <a:ext cx="0" cy="0"/>
+          <a:chOff x="0" y="0"/>
+          <a:chExt cx="0" cy="0"/>
+        </a:xfrm>
+      </p:grpSpPr>
+      <p:sp>
+        <p:nvSpPr>
+          <p:cNvPr id="2" name="슬라이드 번호 개체 틀 1"/>
+          <p:cNvSpPr>
+            <a:spLocks noGrp="1"/>
+          </p:cNvSpPr>
+          <p:nvPr>
+            <p:ph type="sldNum" sz="quarter" idx="12"/>
+          </p:nvPr>
+        </p:nvSpPr>
+        <p:spPr/>
+        <p:txBody>
+          <a:bodyPr/>
+          <a:lstStyle/>
+          <a:p>
+            <a:fld id="{B91F475D-C4CC-4CE8-81AD-732BFDCB340A}" type="slidenum">
+              <a:rPr lang="ko-KR" altLang="en-US" smtClean="0"/>
+              <a:t>14</a:t>
+            </a:fld>
+            <a:endParaRPr lang="ko-KR" altLang="en-US"/>
+          </a:p>
+        </p:txBody>
+      </p:sp>
+      <p:sp>
+        <p:nvSpPr>
+          <p:cNvPr id="4" name="TextBox 3"/>
+          <p:cNvSpPr txBox="1"/>
+          <p:nvPr/>
+        </p:nvSpPr>
+        <p:spPr>
+          <a:xfrm>
+            <a:off x="251520" y="3566875"/>
+            <a:ext cx="7114480" cy="720197"/>
+          </a:xfrm>
+          <a:prstGeom prst="rect">
+            <a:avLst/>
+          </a:prstGeom>
+          <a:noFill/>
+        </p:spPr>
+        <p:txBody>
+          <a:bodyPr wrap="square" rtlCol="0">
+            <a:spAutoFit/>
+          </a:bodyPr>
+          <a:lstStyle/>
+          <a:p>
+            <a:pPr>
+              <a:lnSpc>
+                <a:spcPct val="85000"/>
+              </a:lnSpc>
+            </a:pPr>
+            <a:r>
+              <a:rPr lang="en-US" altLang="ko-KR" sz="4800" spc="600" dirty="0" smtClean="0">
+                <a:solidFill>
+                  <a:srgbClr val="FF0000"/>
+                </a:solidFill>
+                <a:effectLst>
+                  <a:outerShdw blurRad="38100" dist="38100" dir="2700000" algn="tl">
+                    <a:srgbClr val="000000">
+                      <a:alpha val="43137"/>
+                    </a:srgbClr>
+                  </a:outerShdw>
+                </a:effectLst>
+                <a:latin typeface="나눔고딕" pitchFamily="50" charset="-127"/>
+                <a:ea typeface="나눔고딕" pitchFamily="50" charset="-127"/>
+              </a:rPr>
+              <a:t>A</a:t>
+            </a:r>
+            <a:r>
+              <a:rPr lang="en-US" altLang="ko-KR" sz="4800" spc="600" dirty="0" smtClean="0">
+                <a:gradFill>
+                  <a:gsLst>
+                    <a:gs pos="0">
+                      <a:srgbClr val="7E858E"/>
+                    </a:gs>
+                    <a:gs pos="50000">
+                      <a:srgbClr val="7E858E"/>
+                    </a:gs>
+                  </a:gsLst>
+                  <a:lin ang="5400000" scaled="0"/>
+                </a:gradFill>
+                <a:effectLst>
+                  <a:outerShdw blurRad="38100" dist="38100" dir="2700000" algn="tl">
+                    <a:srgbClr val="000000">
+                      <a:alpha val="43137"/>
+                    </a:srgbClr>
+                  </a:outerShdw>
+                </a:effectLst>
+                <a:latin typeface="나눔고딕" pitchFamily="50" charset="-127"/>
+                <a:ea typeface="나눔고딕" pitchFamily="50" charset="-127"/>
+              </a:rPr>
+              <a:t>pp </a:t>
+            </a:r>
+            <a:r>
+              <a:rPr lang="en-US" altLang="ko-KR" sz="4800" spc="600" dirty="0" smtClean="0">
+                <a:solidFill>
+                  <a:srgbClr val="FF0000"/>
+                </a:solidFill>
+                <a:effectLst>
+                  <a:outerShdw blurRad="38100" dist="38100" dir="2700000" algn="tl">
+                    <a:srgbClr val="000000">
+                      <a:alpha val="43137"/>
+                    </a:srgbClr>
+                  </a:outerShdw>
+                </a:effectLst>
+                <a:latin typeface="나눔고딕" pitchFamily="50" charset="-127"/>
+                <a:ea typeface="나눔고딕" pitchFamily="50" charset="-127"/>
+              </a:rPr>
+              <a:t>C</a:t>
+            </a:r>
+            <a:r>
+              <a:rPr lang="en-US" altLang="ko-KR" sz="4800" spc="600" dirty="0" smtClean="0">
+                <a:gradFill>
+                  <a:gsLst>
+                    <a:gs pos="0">
+                      <a:srgbClr val="7E858E"/>
+                    </a:gs>
+                    <a:gs pos="50000">
+                      <a:srgbClr val="7E858E"/>
+                    </a:gs>
+                  </a:gsLst>
+                  <a:lin ang="5400000" scaled="0"/>
+                </a:gradFill>
+                <a:effectLst>
+                  <a:outerShdw blurRad="38100" dist="38100" dir="2700000" algn="tl">
+                    <a:srgbClr val="000000">
+                      <a:alpha val="43137"/>
+                    </a:srgbClr>
+                  </a:outerShdw>
+                </a:effectLst>
+                <a:latin typeface="나눔고딕" pitchFamily="50" charset="-127"/>
+                <a:ea typeface="나눔고딕" pitchFamily="50" charset="-127"/>
+              </a:rPr>
+              <a:t>lient</a:t>
+            </a:r>
+            <a:endParaRPr lang="ko-KR" altLang="en-US" sz="4800" spc="600" dirty="0">
+              <a:gradFill>
+                <a:gsLst>
+                  <a:gs pos="0">
+                    <a:srgbClr val="7E858E"/>
+                  </a:gs>
+                  <a:gs pos="50000">
+                    <a:srgbClr val="7E858E"/>
+                  </a:gs>
+                </a:gsLst>
+                <a:lin ang="5400000" scaled="0"/>
+              </a:gradFill>
+              <a:effectLst>
+                <a:outerShdw blurRad="38100" dist="38100" dir="2700000" algn="tl">
+                  <a:srgbClr val="000000">
+                    <a:alpha val="43137"/>
+                  </a:srgbClr>
+                </a:outerShdw>
+              </a:effectLst>
+              <a:latin typeface="나눔고딕" pitchFamily="50" charset="-127"/>
+              <a:ea typeface="나눔고딕" pitchFamily="50" charset="-127"/>
+            </a:endParaRPr>
+          </a:p>
+        </p:txBody>
+      </p:sp>
+    </p:spTree>
+    <p:extLst>
+      <p:ext uri="{BB962C8B-B14F-4D97-AF65-F5344CB8AC3E}">
+        <p14:creationId xmlns:p14="http://schemas.microsoft.com/office/powerpoint/2010/main" val="1039170619"/>
+      </p:ext>
+    </p:extLst>
+  </p:cSld>
+  <p:clrMapOvr>
+    <a:masterClrMapping/>
+  </p:clrMapOvr>
+</p:sld>
+</file>
+
+<file path=ppt/slides/slide15.xml><?xml version="1.0" encoding="utf-8"?>
+<p:sld xmlns:a="http://schemas.openxmlformats.org/drawingml/2006/main" xmlns:r="http://schemas.openxmlformats.org/officeDocument/2006/relationships" xmlns:p="http://schemas.openxmlformats.org/presentationml/2006/main">
+  <p:cSld>
+    <p:spTree>
+      <p:nvGrpSpPr>
+        <p:cNvPr id="1" name=""/>
+        <p:cNvGrpSpPr/>
+        <p:nvPr/>
+      </p:nvGrpSpPr>
+      <p:grpSpPr>
+        <a:xfrm>
+          <a:off x="0" y="0"/>
+          <a:ext cx="0" cy="0"/>
+          <a:chOff x="0" y="0"/>
+          <a:chExt cx="0" cy="0"/>
+        </a:xfrm>
+      </p:grpSpPr>
+      <p:sp>
+        <p:nvSpPr>
+          <p:cNvPr id="2" name="슬라이드 번호 개체 틀 1"/>
+          <p:cNvSpPr>
+            <a:spLocks noGrp="1"/>
+          </p:cNvSpPr>
+          <p:nvPr>
+            <p:ph type="sldNum" sz="quarter" idx="12"/>
+          </p:nvPr>
+        </p:nvSpPr>
+        <p:spPr/>
+        <p:txBody>
+          <a:bodyPr/>
+          <a:lstStyle/>
+          <a:p>
+            <a:fld id="{B91F475D-C4CC-4CE8-81AD-732BFDCB340A}" type="slidenum">
+              <a:rPr lang="ko-KR" altLang="en-US" smtClean="0"/>
+              <a:t>15</a:t>
+            </a:fld>
+            <a:endParaRPr lang="ko-KR" altLang="en-US"/>
+          </a:p>
+        </p:txBody>
+      </p:sp>
+    </p:spTree>
+    <p:extLst>
+      <p:ext uri="{BB962C8B-B14F-4D97-AF65-F5344CB8AC3E}">
+        <p14:creationId xmlns:p14="http://schemas.microsoft.com/office/powerpoint/2010/main" val="284795879"/>
+      </p:ext>
+    </p:extLst>
+  </p:cSld>
+  <p:clrMapOvr>
+    <a:masterClrMapping/>
+  </p:clrMapOvr>
+</p:sld>
+</file>
+
+<file path=ppt/slides/slide16.xml><?xml version="1.0" encoding="utf-8"?>
+<p:sld xmlns:a="http://schemas.openxmlformats.org/drawingml/2006/main" xmlns:r="http://schemas.openxmlformats.org/officeDocument/2006/relationships" xmlns:p="http://schemas.openxmlformats.org/presentationml/2006/main">
+  <p:cSld>
+    <p:spTree>
+      <p:nvGrpSpPr>
+        <p:cNvPr id="1" name=""/>
+        <p:cNvGrpSpPr/>
+        <p:nvPr/>
+      </p:nvGrpSpPr>
+      <p:grpSpPr>
+        <a:xfrm>
+          <a:off x="0" y="0"/>
+          <a:ext cx="0" cy="0"/>
+          <a:chOff x="0" y="0"/>
+          <a:chExt cx="0" cy="0"/>
+        </a:xfrm>
+      </p:grpSpPr>
+      <p:sp>
+        <p:nvSpPr>
+          <p:cNvPr id="2" name="슬라이드 번호 개체 틀 1"/>
+          <p:cNvSpPr>
+            <a:spLocks noGrp="1"/>
+          </p:cNvSpPr>
+          <p:nvPr>
+            <p:ph type="sldNum" sz="quarter" idx="12"/>
+          </p:nvPr>
+        </p:nvSpPr>
+        <p:spPr/>
+        <p:txBody>
+          <a:bodyPr/>
+          <a:lstStyle/>
+          <a:p>
+            <a:fld id="{B91F475D-C4CC-4CE8-81AD-732BFDCB340A}" type="slidenum">
+              <a:rPr lang="ko-KR" altLang="en-US" smtClean="0"/>
+              <a:t>16</a:t>
             </a:fld>
             <a:endParaRPr lang="ko-KR" altLang="en-US"/>
           </a:p>
@@ -3746,7 +4657,24 @@
                 <a:latin typeface="나눔고딕" pitchFamily="50" charset="-127"/>
                 <a:ea typeface="나눔고딕" pitchFamily="50" charset="-127"/>
               </a:rPr>
-              <a:t>Web Block Diagram</a:t>
+              <a:t>Web</a:t>
+            </a:r>
+          </a:p>
+          <a:p>
+            <a:pPr algn="ctr"/>
+            <a:r>
+              <a:rPr lang="en-US" altLang="ko-KR" sz="2400" spc="80" dirty="0" smtClean="0">
+                <a:latin typeface="나눔고딕" pitchFamily="50" charset="-127"/>
+                <a:ea typeface="나눔고딕" pitchFamily="50" charset="-127"/>
+              </a:rPr>
+              <a:t>&amp;Server </a:t>
+            </a:r>
+            <a:r>
+              <a:rPr lang="en-US" altLang="ko-KR" sz="2400" spc="80" dirty="0" smtClean="0">
+                <a:latin typeface="나눔고딕" pitchFamily="50" charset="-127"/>
+                <a:ea typeface="나눔고딕" pitchFamily="50" charset="-127"/>
+              </a:rPr>
+              <a:t>Block Diagram</a:t>
             </a:r>
             <a:endParaRPr lang="ko-KR" altLang="en-US" sz="2400" spc="80" dirty="0">
               <a:latin typeface="나눔고딕" pitchFamily="50" charset="-127"/>
@@ -4144,7 +5072,7 @@
         <p:spPr>
           <a:xfrm>
             <a:off x="251520" y="3566875"/>
-            <a:ext cx="7114480" cy="720197"/>
+            <a:ext cx="7114480" cy="1348061"/>
           </a:xfrm>
           <a:prstGeom prst="rect">
             <a:avLst/>
@@ -4203,6 +5131,73 @@
                 <a:ea typeface="나눔고딕" pitchFamily="50" charset="-127"/>
               </a:rPr>
               <a:t>eb </a:t>
+            </a:r>
+            <a:r>
+              <a:rPr lang="en-US" altLang="ko-KR" sz="4800" spc="600" dirty="0" smtClean="0">
+                <a:gradFill>
+                  <a:gsLst>
+                    <a:gs pos="0">
+                      <a:srgbClr val="7E858E"/>
+                    </a:gs>
+                    <a:gs pos="50000">
+                      <a:srgbClr val="7E858E"/>
+                    </a:gs>
+                  </a:gsLst>
+                  <a:lin ang="5400000" scaled="0"/>
+                </a:gradFill>
+                <a:effectLst>
+                  <a:outerShdw blurRad="38100" dist="38100" dir="2700000" algn="tl">
+                    <a:srgbClr val="000000">
+                      <a:alpha val="43137"/>
+                    </a:srgbClr>
+                  </a:outerShdw>
+                </a:effectLst>
+                <a:latin typeface="나눔고딕" pitchFamily="50" charset="-127"/>
+                <a:ea typeface="나눔고딕" pitchFamily="50" charset="-127"/>
+              </a:rPr>
+              <a:t>&amp; </a:t>
+            </a:r>
+            <a:r>
+              <a:rPr lang="en-US" altLang="ko-KR" sz="4800" spc="600" dirty="0" smtClean="0">
+                <a:solidFill>
+                  <a:srgbClr val="FF0000"/>
+                </a:solidFill>
+                <a:effectLst>
+                  <a:outerShdw blurRad="38100" dist="38100" dir="2700000" algn="tl">
+                    <a:srgbClr val="000000">
+                      <a:alpha val="43137"/>
+                    </a:srgbClr>
+                  </a:outerShdw>
+                </a:effectLst>
+                <a:latin typeface="나눔고딕" pitchFamily="50" charset="-127"/>
+                <a:ea typeface="나눔고딕" pitchFamily="50" charset="-127"/>
+              </a:rPr>
+              <a:t>S</a:t>
+            </a:r>
+            <a:r>
+              <a:rPr lang="en-US" altLang="ko-KR" sz="4800" spc="600" dirty="0" smtClean="0">
+                <a:gradFill>
+                  <a:gsLst>
+                    <a:gs pos="0">
+                      <a:srgbClr val="7E858E"/>
+                    </a:gs>
+                    <a:gs pos="50000">
+                      <a:srgbClr val="7E858E"/>
+                    </a:gs>
+                  </a:gsLst>
+                  <a:lin ang="5400000" scaled="0"/>
+                </a:gradFill>
+                <a:effectLst>
+                  <a:outerShdw blurRad="38100" dist="38100" dir="2700000" algn="tl">
+                    <a:srgbClr val="000000">
+                      <a:alpha val="43137"/>
+                    </a:srgbClr>
+                  </a:outerShdw>
+                </a:effectLst>
+                <a:latin typeface="나눔고딕" pitchFamily="50" charset="-127"/>
+                <a:ea typeface="나눔고딕" pitchFamily="50" charset="-127"/>
+              </a:rPr>
+              <a:t>erver </a:t>
             </a:r>
             <a:r>
               <a:rPr lang="en-US" altLang="ko-KR" sz="4800" spc="600" dirty="0" smtClean="0">
@@ -4373,6 +5368,114 @@
           </a:p>
         </p:txBody>
       </p:sp>
+      <p:sp>
+        <p:nvSpPr>
+          <p:cNvPr id="3" name="TextBox 2"/>
+          <p:cNvSpPr txBox="1"/>
+          <p:nvPr/>
+        </p:nvSpPr>
+        <p:spPr>
+          <a:xfrm>
+            <a:off x="162804" y="531756"/>
+            <a:ext cx="7114480" cy="380104"/>
+          </a:xfrm>
+          <a:prstGeom prst="rect">
+            <a:avLst/>
+          </a:prstGeom>
+          <a:noFill/>
+        </p:spPr>
+        <p:txBody>
+          <a:bodyPr wrap="square" rtlCol="0">
+            <a:spAutoFit/>
+          </a:bodyPr>
+          <a:lstStyle/>
+          <a:p>
+            <a:pPr>
+              <a:lnSpc>
+                <a:spcPct val="85000"/>
+              </a:lnSpc>
+            </a:pPr>
+            <a:r>
+              <a:rPr lang="en-US" altLang="ko-KR" sz="2200" spc="600" dirty="0" smtClean="0">
+                <a:solidFill>
+                  <a:srgbClr val="FF0000"/>
+                </a:solidFill>
+                <a:effectLst>
+                  <a:outerShdw blurRad="38100" dist="38100" dir="2700000" algn="tl">
+                    <a:srgbClr val="000000">
+                      <a:alpha val="43137"/>
+                    </a:srgbClr>
+                  </a:outerShdw>
+                </a:effectLst>
+                <a:latin typeface="나눔고딕" pitchFamily="50" charset="-127"/>
+                <a:ea typeface="나눔고딕" pitchFamily="50" charset="-127"/>
+              </a:rPr>
+              <a:t>Web Block </a:t>
+            </a:r>
+            <a:r>
+              <a:rPr lang="en-US" altLang="ko-KR" sz="2200" spc="600" dirty="0" smtClean="0">
+                <a:solidFill>
+                  <a:srgbClr val="FF0000"/>
+                </a:solidFill>
+                <a:effectLst>
+                  <a:outerShdw blurRad="38100" dist="38100" dir="2700000" algn="tl">
+                    <a:srgbClr val="000000">
+                      <a:alpha val="43137"/>
+                    </a:srgbClr>
+                  </a:outerShdw>
+                </a:effectLst>
+                <a:latin typeface="나눔고딕" pitchFamily="50" charset="-127"/>
+                <a:ea typeface="나눔고딕" pitchFamily="50" charset="-127"/>
+              </a:rPr>
+              <a:t>Diagram- sign up</a:t>
+            </a:r>
+            <a:endParaRPr lang="ko-KR" altLang="en-US" sz="2200" spc="600" dirty="0">
+              <a:solidFill>
+                <a:srgbClr val="FF0000"/>
+              </a:solidFill>
+              <a:effectLst>
+                <a:outerShdw blurRad="38100" dist="38100" dir="2700000" algn="tl">
+                  <a:srgbClr val="000000">
+                    <a:alpha val="43137"/>
+                  </a:srgbClr>
+                </a:outerShdw>
+              </a:effectLst>
+              <a:latin typeface="나눔고딕" pitchFamily="50" charset="-127"/>
+              <a:ea typeface="나눔고딕" pitchFamily="50" charset="-127"/>
+            </a:endParaRPr>
+          </a:p>
+        </p:txBody>
+      </p:sp>
+      <p:pic>
+        <p:nvPicPr>
+          <p:cNvPr id="6" name="그림 5"/>
+          <p:cNvPicPr>
+            <a:picLocks noChangeAspect="1"/>
+          </p:cNvPicPr>
+          <p:nvPr/>
+        </p:nvPicPr>
+        <p:blipFill>
+          <a:blip r:embed="rId3">
+            <a:extLst>
+              <a:ext uri="{28A0092B-C50C-407E-A947-70E740481C1C}">
+                <a14:useLocalDpi xmlns:a14="http://schemas.microsoft.com/office/drawing/2010/main" val="0"/>
+              </a:ext>
+            </a:extLst>
+          </a:blip>
+          <a:stretch>
+            <a:fillRect/>
+          </a:stretch>
+        </p:blipFill>
+        <p:spPr>
+          <a:xfrm>
+            <a:off x="2028971" y="1194311"/>
+            <a:ext cx="4804899" cy="5466522"/>
+          </a:xfrm>
+          <a:prstGeom prst="rect">
+            <a:avLst/>
+          </a:prstGeom>
+        </p:spPr>
+      </p:pic>
     </p:spTree>
     <p:extLst>
       <p:ext uri="{BB962C8B-B14F-4D97-AF65-F5344CB8AC3E}">
@@ -4383,6 +5486,13 @@
   <p:clrMapOvr>
     <a:masterClrMapping/>
   </p:clrMapOvr>
+  <p:timing>
+    <p:tnLst>
+      <p:par>
+        <p:cTn id="1" dur="indefinite" restart="never" nodeType="tmRoot"/>
+      </p:par>
+    </p:tnLst>
+  </p:timing>
 </p:sld>
 </file>
 
@@ -4421,6 +5531,578 @@
             <a:fld id="{B91F475D-C4CC-4CE8-81AD-732BFDCB340A}" type="slidenum">
               <a:rPr lang="ko-KR" altLang="en-US" smtClean="0"/>
               <a:t>5</a:t>
+            </a:fld>
+            <a:endParaRPr lang="ko-KR" altLang="en-US"/>
+          </a:p>
+        </p:txBody>
+      </p:sp>
+      <p:sp>
+        <p:nvSpPr>
+          <p:cNvPr id="3" name="TextBox 2"/>
+          <p:cNvSpPr txBox="1"/>
+          <p:nvPr/>
+        </p:nvSpPr>
+        <p:spPr>
+          <a:xfrm>
+            <a:off x="162804" y="531756"/>
+            <a:ext cx="7114480" cy="380104"/>
+          </a:xfrm>
+          <a:prstGeom prst="rect">
+            <a:avLst/>
+          </a:prstGeom>
+          <a:noFill/>
+        </p:spPr>
+        <p:txBody>
+          <a:bodyPr wrap="square" rtlCol="0">
+            <a:spAutoFit/>
+          </a:bodyPr>
+          <a:lstStyle/>
+          <a:p>
+            <a:pPr>
+              <a:lnSpc>
+                <a:spcPct val="85000"/>
+              </a:lnSpc>
+            </a:pPr>
+            <a:r>
+              <a:rPr lang="en-US" altLang="ko-KR" sz="2200" spc="600" dirty="0" smtClean="0">
+                <a:solidFill>
+                  <a:srgbClr val="FF0000"/>
+                </a:solidFill>
+                <a:effectLst>
+                  <a:outerShdw blurRad="38100" dist="38100" dir="2700000" algn="tl">
+                    <a:srgbClr val="000000">
+                      <a:alpha val="43137"/>
+                    </a:srgbClr>
+                  </a:outerShdw>
+                </a:effectLst>
+                <a:latin typeface="나눔고딕" pitchFamily="50" charset="-127"/>
+                <a:ea typeface="나눔고딕" pitchFamily="50" charset="-127"/>
+              </a:rPr>
+              <a:t>Server</a:t>
+            </a:r>
+            <a:r>
+              <a:rPr lang="en-US" altLang="ko-KR" sz="2200" spc="600" dirty="0" smtClean="0">
+                <a:solidFill>
+                  <a:srgbClr val="FF0000"/>
+                </a:solidFill>
+                <a:effectLst>
+                  <a:outerShdw blurRad="38100" dist="38100" dir="2700000" algn="tl">
+                    <a:srgbClr val="000000">
+                      <a:alpha val="43137"/>
+                    </a:srgbClr>
+                  </a:outerShdw>
+                </a:effectLst>
+                <a:latin typeface="나눔고딕" pitchFamily="50" charset="-127"/>
+                <a:ea typeface="나눔고딕" pitchFamily="50" charset="-127"/>
+              </a:rPr>
+              <a:t> </a:t>
+            </a:r>
+            <a:r>
+              <a:rPr lang="en-US" altLang="ko-KR" sz="2200" spc="600" dirty="0" smtClean="0">
+                <a:solidFill>
+                  <a:srgbClr val="FF0000"/>
+                </a:solidFill>
+                <a:effectLst>
+                  <a:outerShdw blurRad="38100" dist="38100" dir="2700000" algn="tl">
+                    <a:srgbClr val="000000">
+                      <a:alpha val="43137"/>
+                    </a:srgbClr>
+                  </a:outerShdw>
+                </a:effectLst>
+                <a:latin typeface="나눔고딕" pitchFamily="50" charset="-127"/>
+                <a:ea typeface="나눔고딕" pitchFamily="50" charset="-127"/>
+              </a:rPr>
+              <a:t>Block </a:t>
+            </a:r>
+            <a:r>
+              <a:rPr lang="en-US" altLang="ko-KR" sz="2200" spc="600" dirty="0" smtClean="0">
+                <a:solidFill>
+                  <a:srgbClr val="FF0000"/>
+                </a:solidFill>
+                <a:effectLst>
+                  <a:outerShdw blurRad="38100" dist="38100" dir="2700000" algn="tl">
+                    <a:srgbClr val="000000">
+                      <a:alpha val="43137"/>
+                    </a:srgbClr>
+                  </a:outerShdw>
+                </a:effectLst>
+                <a:latin typeface="나눔고딕" pitchFamily="50" charset="-127"/>
+                <a:ea typeface="나눔고딕" pitchFamily="50" charset="-127"/>
+              </a:rPr>
+              <a:t>Diagram- sign up</a:t>
+            </a:r>
+            <a:endParaRPr lang="ko-KR" altLang="en-US" sz="2200" spc="600" dirty="0">
+              <a:solidFill>
+                <a:srgbClr val="FF0000"/>
+              </a:solidFill>
+              <a:effectLst>
+                <a:outerShdw blurRad="38100" dist="38100" dir="2700000" algn="tl">
+                  <a:srgbClr val="000000">
+                    <a:alpha val="43137"/>
+                  </a:srgbClr>
+                </a:outerShdw>
+              </a:effectLst>
+              <a:latin typeface="나눔고딕" pitchFamily="50" charset="-127"/>
+              <a:ea typeface="나눔고딕" pitchFamily="50" charset="-127"/>
+            </a:endParaRPr>
+          </a:p>
+        </p:txBody>
+      </p:sp>
+      <p:pic>
+        <p:nvPicPr>
+          <p:cNvPr id="5" name="그림 4"/>
+          <p:cNvPicPr>
+            <a:picLocks noChangeAspect="1"/>
+          </p:cNvPicPr>
+          <p:nvPr/>
+        </p:nvPicPr>
+        <p:blipFill>
+          <a:blip r:embed="rId2">
+            <a:extLst>
+              <a:ext uri="{28A0092B-C50C-407E-A947-70E740481C1C}">
+                <a14:useLocalDpi xmlns:a14="http://schemas.microsoft.com/office/drawing/2010/main" val="0"/>
+              </a:ext>
+            </a:extLst>
+          </a:blip>
+          <a:stretch>
+            <a:fillRect/>
+          </a:stretch>
+        </p:blipFill>
+        <p:spPr>
+          <a:xfrm>
+            <a:off x="1859165" y="1252602"/>
+            <a:ext cx="5425669" cy="5605397"/>
+          </a:xfrm>
+          <a:prstGeom prst="rect">
+            <a:avLst/>
+          </a:prstGeom>
+        </p:spPr>
+      </p:pic>
+    </p:spTree>
+    <p:extLst>
+      <p:ext uri="{BB962C8B-B14F-4D97-AF65-F5344CB8AC3E}">
+        <p14:creationId xmlns:p14="http://schemas.microsoft.com/office/powerpoint/2010/main" val="3648461817"/>
+      </p:ext>
+    </p:extLst>
+  </p:cSld>
+  <p:clrMapOvr>
+    <a:masterClrMapping/>
+  </p:clrMapOvr>
+  <p:timing>
+    <p:tnLst>
+      <p:par>
+        <p:cTn id="1" dur="indefinite" restart="never" nodeType="tmRoot"/>
+      </p:par>
+    </p:tnLst>
+  </p:timing>
+</p:sld>
+</file>
+
+<file path=ppt/slides/slide6.xml><?xml version="1.0" encoding="utf-8"?>
+<p:sld xmlns:a="http://schemas.openxmlformats.org/drawingml/2006/main" xmlns:r="http://schemas.openxmlformats.org/officeDocument/2006/relationships" xmlns:p="http://schemas.openxmlformats.org/presentationml/2006/main">
+  <p:cSld>
+    <p:spTree>
+      <p:nvGrpSpPr>
+        <p:cNvPr id="1" name=""/>
+        <p:cNvGrpSpPr/>
+        <p:nvPr/>
+      </p:nvGrpSpPr>
+      <p:grpSpPr>
+        <a:xfrm>
+          <a:off x="0" y="0"/>
+          <a:ext cx="0" cy="0"/>
+          <a:chOff x="0" y="0"/>
+          <a:chExt cx="0" cy="0"/>
+        </a:xfrm>
+      </p:grpSpPr>
+      <p:sp>
+        <p:nvSpPr>
+          <p:cNvPr id="2" name="슬라이드 번호 개체 틀 1"/>
+          <p:cNvSpPr>
+            <a:spLocks noGrp="1"/>
+          </p:cNvSpPr>
+          <p:nvPr>
+            <p:ph type="sldNum" sz="quarter" idx="12"/>
+          </p:nvPr>
+        </p:nvSpPr>
+        <p:spPr/>
+        <p:txBody>
+          <a:bodyPr/>
+          <a:lstStyle/>
+          <a:p>
+            <a:fld id="{B91F475D-C4CC-4CE8-81AD-732BFDCB340A}" type="slidenum">
+              <a:rPr lang="ko-KR" altLang="en-US" smtClean="0"/>
+              <a:t>6</a:t>
+            </a:fld>
+            <a:endParaRPr lang="ko-KR" altLang="en-US"/>
+          </a:p>
+        </p:txBody>
+      </p:sp>
+      <p:sp>
+        <p:nvSpPr>
+          <p:cNvPr id="3" name="TextBox 2"/>
+          <p:cNvSpPr txBox="1"/>
+          <p:nvPr/>
+        </p:nvSpPr>
+        <p:spPr>
+          <a:xfrm>
+            <a:off x="162804" y="531756"/>
+            <a:ext cx="7114480" cy="380104"/>
+          </a:xfrm>
+          <a:prstGeom prst="rect">
+            <a:avLst/>
+          </a:prstGeom>
+          <a:noFill/>
+        </p:spPr>
+        <p:txBody>
+          <a:bodyPr wrap="square" rtlCol="0">
+            <a:spAutoFit/>
+          </a:bodyPr>
+          <a:lstStyle/>
+          <a:p>
+            <a:pPr>
+              <a:lnSpc>
+                <a:spcPct val="85000"/>
+              </a:lnSpc>
+            </a:pPr>
+            <a:r>
+              <a:rPr lang="en-US" altLang="ko-KR" sz="2200" spc="600" dirty="0" smtClean="0">
+                <a:solidFill>
+                  <a:srgbClr val="FF0000"/>
+                </a:solidFill>
+                <a:effectLst>
+                  <a:outerShdw blurRad="38100" dist="38100" dir="2700000" algn="tl">
+                    <a:srgbClr val="000000">
+                      <a:alpha val="43137"/>
+                    </a:srgbClr>
+                  </a:outerShdw>
+                </a:effectLst>
+                <a:latin typeface="나눔고딕" pitchFamily="50" charset="-127"/>
+                <a:ea typeface="나눔고딕" pitchFamily="50" charset="-127"/>
+              </a:rPr>
+              <a:t>Web Block </a:t>
+            </a:r>
+            <a:r>
+              <a:rPr lang="en-US" altLang="ko-KR" sz="2200" spc="600" dirty="0" smtClean="0">
+                <a:solidFill>
+                  <a:srgbClr val="FF0000"/>
+                </a:solidFill>
+                <a:effectLst>
+                  <a:outerShdw blurRad="38100" dist="38100" dir="2700000" algn="tl">
+                    <a:srgbClr val="000000">
+                      <a:alpha val="43137"/>
+                    </a:srgbClr>
+                  </a:outerShdw>
+                </a:effectLst>
+                <a:latin typeface="나눔고딕" pitchFamily="50" charset="-127"/>
+                <a:ea typeface="나눔고딕" pitchFamily="50" charset="-127"/>
+              </a:rPr>
+              <a:t>Diagram – history data</a:t>
+            </a:r>
+            <a:endParaRPr lang="ko-KR" altLang="en-US" sz="2200" spc="600" dirty="0">
+              <a:solidFill>
+                <a:srgbClr val="FF0000"/>
+              </a:solidFill>
+              <a:effectLst>
+                <a:outerShdw blurRad="38100" dist="38100" dir="2700000" algn="tl">
+                  <a:srgbClr val="000000">
+                    <a:alpha val="43137"/>
+                  </a:srgbClr>
+                </a:outerShdw>
+              </a:effectLst>
+              <a:latin typeface="나눔고딕" pitchFamily="50" charset="-127"/>
+              <a:ea typeface="나눔고딕" pitchFamily="50" charset="-127"/>
+            </a:endParaRPr>
+          </a:p>
+        </p:txBody>
+      </p:sp>
+      <p:pic>
+        <p:nvPicPr>
+          <p:cNvPr id="4" name="그림 3"/>
+          <p:cNvPicPr>
+            <a:picLocks noChangeAspect="1"/>
+          </p:cNvPicPr>
+          <p:nvPr/>
+        </p:nvPicPr>
+        <p:blipFill>
+          <a:blip r:embed="rId2">
+            <a:extLst>
+              <a:ext uri="{28A0092B-C50C-407E-A947-70E740481C1C}">
+                <a14:useLocalDpi xmlns:a14="http://schemas.microsoft.com/office/drawing/2010/main" val="0"/>
+              </a:ext>
+            </a:extLst>
+          </a:blip>
+          <a:stretch>
+            <a:fillRect/>
+          </a:stretch>
+        </p:blipFill>
+        <p:spPr>
+          <a:xfrm>
+            <a:off x="1745614" y="1143118"/>
+            <a:ext cx="5327096" cy="5517715"/>
+          </a:xfrm>
+          <a:prstGeom prst="rect">
+            <a:avLst/>
+          </a:prstGeom>
+        </p:spPr>
+      </p:pic>
+    </p:spTree>
+    <p:extLst>
+      <p:ext uri="{BB962C8B-B14F-4D97-AF65-F5344CB8AC3E}">
+        <p14:creationId xmlns:p14="http://schemas.microsoft.com/office/powerpoint/2010/main" val="4198282576"/>
+      </p:ext>
+    </p:extLst>
+  </p:cSld>
+  <p:clrMapOvr>
+    <a:masterClrMapping/>
+  </p:clrMapOvr>
+  <p:timing>
+    <p:tnLst>
+      <p:par>
+        <p:cTn id="1" dur="indefinite" restart="never" nodeType="tmRoot"/>
+      </p:par>
+    </p:tnLst>
+  </p:timing>
+</p:sld>
+</file>
+
+<file path=ppt/slides/slide7.xml><?xml version="1.0" encoding="utf-8"?>
+<p:sld xmlns:a="http://schemas.openxmlformats.org/drawingml/2006/main" xmlns:r="http://schemas.openxmlformats.org/officeDocument/2006/relationships" xmlns:p="http://schemas.openxmlformats.org/presentationml/2006/main">
+  <p:cSld>
+    <p:spTree>
+      <p:nvGrpSpPr>
+        <p:cNvPr id="1" name=""/>
+        <p:cNvGrpSpPr/>
+        <p:nvPr/>
+      </p:nvGrpSpPr>
+      <p:grpSpPr>
+        <a:xfrm>
+          <a:off x="0" y="0"/>
+          <a:ext cx="0" cy="0"/>
+          <a:chOff x="0" y="0"/>
+          <a:chExt cx="0" cy="0"/>
+        </a:xfrm>
+      </p:grpSpPr>
+      <p:sp>
+        <p:nvSpPr>
+          <p:cNvPr id="2" name="슬라이드 번호 개체 틀 1"/>
+          <p:cNvSpPr>
+            <a:spLocks noGrp="1"/>
+          </p:cNvSpPr>
+          <p:nvPr>
+            <p:ph type="sldNum" sz="quarter" idx="12"/>
+          </p:nvPr>
+        </p:nvSpPr>
+        <p:spPr/>
+        <p:txBody>
+          <a:bodyPr/>
+          <a:lstStyle/>
+          <a:p>
+            <a:fld id="{B91F475D-C4CC-4CE8-81AD-732BFDCB340A}" type="slidenum">
+              <a:rPr lang="ko-KR" altLang="en-US" smtClean="0"/>
+              <a:t>7</a:t>
+            </a:fld>
+            <a:endParaRPr lang="ko-KR" altLang="en-US"/>
+          </a:p>
+        </p:txBody>
+      </p:sp>
+      <p:sp>
+        <p:nvSpPr>
+          <p:cNvPr id="3" name="TextBox 2"/>
+          <p:cNvSpPr txBox="1"/>
+          <p:nvPr/>
+        </p:nvSpPr>
+        <p:spPr>
+          <a:xfrm>
+            <a:off x="162803" y="531756"/>
+            <a:ext cx="7703541" cy="380104"/>
+          </a:xfrm>
+          <a:prstGeom prst="rect">
+            <a:avLst/>
+          </a:prstGeom>
+          <a:noFill/>
+        </p:spPr>
+        <p:txBody>
+          <a:bodyPr wrap="square" rtlCol="0">
+            <a:spAutoFit/>
+          </a:bodyPr>
+          <a:lstStyle/>
+          <a:p>
+            <a:pPr>
+              <a:lnSpc>
+                <a:spcPct val="85000"/>
+              </a:lnSpc>
+            </a:pPr>
+            <a:r>
+              <a:rPr lang="en-US" altLang="ko-KR" sz="2200" spc="600" dirty="0" smtClean="0">
+                <a:solidFill>
+                  <a:srgbClr val="FF0000"/>
+                </a:solidFill>
+                <a:effectLst>
+                  <a:outerShdw blurRad="38100" dist="38100" dir="2700000" algn="tl">
+                    <a:srgbClr val="000000">
+                      <a:alpha val="43137"/>
+                    </a:srgbClr>
+                  </a:outerShdw>
+                </a:effectLst>
+                <a:latin typeface="나눔고딕" pitchFamily="50" charset="-127"/>
+                <a:ea typeface="나눔고딕" pitchFamily="50" charset="-127"/>
+              </a:rPr>
+              <a:t>Server</a:t>
+            </a:r>
+            <a:r>
+              <a:rPr lang="en-US" altLang="ko-KR" sz="2200" spc="600" dirty="0" smtClean="0">
+                <a:solidFill>
+                  <a:srgbClr val="FF0000"/>
+                </a:solidFill>
+                <a:effectLst>
+                  <a:outerShdw blurRad="38100" dist="38100" dir="2700000" algn="tl">
+                    <a:srgbClr val="000000">
+                      <a:alpha val="43137"/>
+                    </a:srgbClr>
+                  </a:outerShdw>
+                </a:effectLst>
+                <a:latin typeface="나눔고딕" pitchFamily="50" charset="-127"/>
+                <a:ea typeface="나눔고딕" pitchFamily="50" charset="-127"/>
+              </a:rPr>
+              <a:t> </a:t>
+            </a:r>
+            <a:r>
+              <a:rPr lang="en-US" altLang="ko-KR" sz="2200" spc="600" dirty="0" smtClean="0">
+                <a:solidFill>
+                  <a:srgbClr val="FF0000"/>
+                </a:solidFill>
+                <a:effectLst>
+                  <a:outerShdw blurRad="38100" dist="38100" dir="2700000" algn="tl">
+                    <a:srgbClr val="000000">
+                      <a:alpha val="43137"/>
+                    </a:srgbClr>
+                  </a:outerShdw>
+                </a:effectLst>
+                <a:latin typeface="나눔고딕" pitchFamily="50" charset="-127"/>
+                <a:ea typeface="나눔고딕" pitchFamily="50" charset="-127"/>
+              </a:rPr>
+              <a:t>Block </a:t>
+            </a:r>
+            <a:r>
+              <a:rPr lang="en-US" altLang="ko-KR" sz="2200" spc="600" dirty="0" smtClean="0">
+                <a:solidFill>
+                  <a:srgbClr val="FF0000"/>
+                </a:solidFill>
+                <a:effectLst>
+                  <a:outerShdw blurRad="38100" dist="38100" dir="2700000" algn="tl">
+                    <a:srgbClr val="000000">
+                      <a:alpha val="43137"/>
+                    </a:srgbClr>
+                  </a:outerShdw>
+                </a:effectLst>
+                <a:latin typeface="나눔고딕" pitchFamily="50" charset="-127"/>
+                <a:ea typeface="나눔고딕" pitchFamily="50" charset="-127"/>
+              </a:rPr>
+              <a:t>Diagram – history data</a:t>
+            </a:r>
+            <a:endParaRPr lang="ko-KR" altLang="en-US" sz="2200" spc="600" dirty="0">
+              <a:solidFill>
+                <a:srgbClr val="FF0000"/>
+              </a:solidFill>
+              <a:effectLst>
+                <a:outerShdw blurRad="38100" dist="38100" dir="2700000" algn="tl">
+                  <a:srgbClr val="000000">
+                    <a:alpha val="43137"/>
+                  </a:srgbClr>
+                </a:outerShdw>
+              </a:effectLst>
+              <a:latin typeface="나눔고딕" pitchFamily="50" charset="-127"/>
+              <a:ea typeface="나눔고딕" pitchFamily="50" charset="-127"/>
+            </a:endParaRPr>
+          </a:p>
+        </p:txBody>
+      </p:sp>
+      <p:pic>
+        <p:nvPicPr>
+          <p:cNvPr id="5" name="그림 4"/>
+          <p:cNvPicPr>
+            <a:picLocks noChangeAspect="1"/>
+          </p:cNvPicPr>
+          <p:nvPr/>
+        </p:nvPicPr>
+        <p:blipFill>
+          <a:blip r:embed="rId2">
+            <a:extLst>
+              <a:ext uri="{28A0092B-C50C-407E-A947-70E740481C1C}">
+                <a14:useLocalDpi xmlns:a14="http://schemas.microsoft.com/office/drawing/2010/main" val="0"/>
+              </a:ext>
+            </a:extLst>
+          </a:blip>
+          <a:stretch>
+            <a:fillRect/>
+          </a:stretch>
+        </p:blipFill>
+        <p:spPr>
+          <a:xfrm>
+            <a:off x="1050160" y="1333659"/>
+            <a:ext cx="7018628" cy="5509737"/>
+          </a:xfrm>
+          <a:prstGeom prst="rect">
+            <a:avLst/>
+          </a:prstGeom>
+        </p:spPr>
+      </p:pic>
+    </p:spTree>
+    <p:extLst>
+      <p:ext uri="{BB962C8B-B14F-4D97-AF65-F5344CB8AC3E}">
+        <p14:creationId xmlns:p14="http://schemas.microsoft.com/office/powerpoint/2010/main" val="532022260"/>
+      </p:ext>
+    </p:extLst>
+  </p:cSld>
+  <p:clrMapOvr>
+    <a:masterClrMapping/>
+  </p:clrMapOvr>
+  <p:timing>
+    <p:tnLst>
+      <p:par>
+        <p:cTn id="1" dur="indefinite" restart="never" nodeType="tmRoot"/>
+      </p:par>
+    </p:tnLst>
+  </p:timing>
+</p:sld>
+</file>
+
+<file path=ppt/slides/slide8.xml><?xml version="1.0" encoding="utf-8"?>
+<p:sld xmlns:a="http://schemas.openxmlformats.org/drawingml/2006/main" xmlns:r="http://schemas.openxmlformats.org/officeDocument/2006/relationships" xmlns:p="http://schemas.openxmlformats.org/presentationml/2006/main">
+  <p:cSld>
+    <p:spTree>
+      <p:nvGrpSpPr>
+        <p:cNvPr id="1" name=""/>
+        <p:cNvGrpSpPr/>
+        <p:nvPr/>
+      </p:nvGrpSpPr>
+      <p:grpSpPr>
+        <a:xfrm>
+          <a:off x="0" y="0"/>
+          <a:ext cx="0" cy="0"/>
+          <a:chOff x="0" y="0"/>
+          <a:chExt cx="0" cy="0"/>
+        </a:xfrm>
+      </p:grpSpPr>
+      <p:sp>
+        <p:nvSpPr>
+          <p:cNvPr id="2" name="슬라이드 번호 개체 틀 1"/>
+          <p:cNvSpPr>
+            <a:spLocks noGrp="1"/>
+          </p:cNvSpPr>
+          <p:nvPr>
+            <p:ph type="sldNum" sz="quarter" idx="12"/>
+          </p:nvPr>
+        </p:nvSpPr>
+        <p:spPr/>
+        <p:txBody>
+          <a:bodyPr/>
+          <a:lstStyle/>
+          <a:p>
+            <a:fld id="{B91F475D-C4CC-4CE8-81AD-732BFDCB340A}" type="slidenum">
+              <a:rPr lang="ko-KR" altLang="en-US" smtClean="0"/>
+              <a:t>8</a:t>
             </a:fld>
             <a:endParaRPr lang="ko-KR" altLang="en-US"/>
           </a:p>
@@ -4566,259 +6248,6 @@
     <p:extLst>
       <p:ext uri="{BB962C8B-B14F-4D97-AF65-F5344CB8AC3E}">
         <p14:creationId xmlns:p14="http://schemas.microsoft.com/office/powerpoint/2010/main" val="334876963"/>
-      </p:ext>
-    </p:extLst>
-  </p:cSld>
-  <p:clrMapOvr>
-    <a:masterClrMapping/>
-  </p:clrMapOvr>
-</p:sld>
-</file>
-
-<file path=ppt/slides/slide6.xml><?xml version="1.0" encoding="utf-8"?>
-<p:sld xmlns:a="http://schemas.openxmlformats.org/drawingml/2006/main" xmlns:r="http://schemas.openxmlformats.org/officeDocument/2006/relationships" xmlns:p="http://schemas.openxmlformats.org/presentationml/2006/main">
-  <p:cSld>
-    <p:spTree>
-      <p:nvGrpSpPr>
-        <p:cNvPr id="1" name=""/>
-        <p:cNvGrpSpPr/>
-        <p:nvPr/>
-      </p:nvGrpSpPr>
-      <p:grpSpPr>
-        <a:xfrm>
-          <a:off x="0" y="0"/>
-          <a:ext cx="0" cy="0"/>
-          <a:chOff x="0" y="0"/>
-          <a:chExt cx="0" cy="0"/>
-        </a:xfrm>
-      </p:grpSpPr>
-      <p:sp>
-        <p:nvSpPr>
-          <p:cNvPr id="2" name="슬라이드 번호 개체 틀 1"/>
-          <p:cNvSpPr>
-            <a:spLocks noGrp="1"/>
-          </p:cNvSpPr>
-          <p:nvPr>
-            <p:ph type="sldNum" sz="quarter" idx="12"/>
-          </p:nvPr>
-        </p:nvSpPr>
-        <p:spPr/>
-        <p:txBody>
-          <a:bodyPr/>
-          <a:lstStyle/>
-          <a:p>
-            <a:fld id="{B91F475D-C4CC-4CE8-81AD-732BFDCB340A}" type="slidenum">
-              <a:rPr lang="ko-KR" altLang="en-US" smtClean="0"/>
-              <a:t>6</a:t>
-            </a:fld>
-            <a:endParaRPr lang="ko-KR" altLang="en-US"/>
-          </a:p>
-        </p:txBody>
-      </p:sp>
-    </p:spTree>
-    <p:extLst>
-      <p:ext uri="{BB962C8B-B14F-4D97-AF65-F5344CB8AC3E}">
-        <p14:creationId xmlns:p14="http://schemas.microsoft.com/office/powerpoint/2010/main" val="1748525190"/>
-      </p:ext>
-    </p:extLst>
-  </p:cSld>
-  <p:clrMapOvr>
-    <a:masterClrMapping/>
-  </p:clrMapOvr>
-</p:sld>
-</file>
-
-<file path=ppt/slides/slide7.xml><?xml version="1.0" encoding="utf-8"?>
-<p:sld xmlns:a="http://schemas.openxmlformats.org/drawingml/2006/main" xmlns:r="http://schemas.openxmlformats.org/officeDocument/2006/relationships" xmlns:p="http://schemas.openxmlformats.org/presentationml/2006/main">
-  <p:cSld>
-    <p:spTree>
-      <p:nvGrpSpPr>
-        <p:cNvPr id="1" name=""/>
-        <p:cNvGrpSpPr/>
-        <p:nvPr/>
-      </p:nvGrpSpPr>
-      <p:grpSpPr>
-        <a:xfrm>
-          <a:off x="0" y="0"/>
-          <a:ext cx="0" cy="0"/>
-          <a:chOff x="0" y="0"/>
-          <a:chExt cx="0" cy="0"/>
-        </a:xfrm>
-      </p:grpSpPr>
-      <p:sp>
-        <p:nvSpPr>
-          <p:cNvPr id="2" name="슬라이드 번호 개체 틀 1"/>
-          <p:cNvSpPr>
-            <a:spLocks noGrp="1"/>
-          </p:cNvSpPr>
-          <p:nvPr>
-            <p:ph type="sldNum" sz="quarter" idx="12"/>
-          </p:nvPr>
-        </p:nvSpPr>
-        <p:spPr/>
-        <p:txBody>
-          <a:bodyPr/>
-          <a:lstStyle/>
-          <a:p>
-            <a:fld id="{B91F475D-C4CC-4CE8-81AD-732BFDCB340A}" type="slidenum">
-              <a:rPr lang="ko-KR" altLang="en-US" smtClean="0"/>
-              <a:t>7</a:t>
-            </a:fld>
-            <a:endParaRPr lang="ko-KR" altLang="en-US"/>
-          </a:p>
-        </p:txBody>
-      </p:sp>
-      <p:sp>
-        <p:nvSpPr>
-          <p:cNvPr id="4" name="TextBox 3"/>
-          <p:cNvSpPr txBox="1"/>
-          <p:nvPr/>
-        </p:nvSpPr>
-        <p:spPr>
-          <a:xfrm>
-            <a:off x="251520" y="3566875"/>
-            <a:ext cx="7114480" cy="720197"/>
-          </a:xfrm>
-          <a:prstGeom prst="rect">
-            <a:avLst/>
-          </a:prstGeom>
-          <a:noFill/>
-        </p:spPr>
-        <p:txBody>
-          <a:bodyPr wrap="square" rtlCol="0">
-            <a:spAutoFit/>
-          </a:bodyPr>
-          <a:lstStyle/>
-          <a:p>
-            <a:pPr>
-              <a:lnSpc>
-                <a:spcPct val="85000"/>
-              </a:lnSpc>
-            </a:pPr>
-            <a:r>
-              <a:rPr lang="en-US" altLang="ko-KR" sz="4800" spc="600" dirty="0" smtClean="0">
-                <a:solidFill>
-                  <a:srgbClr val="FF0000"/>
-                </a:solidFill>
-                <a:effectLst>
-                  <a:outerShdw blurRad="38100" dist="38100" dir="2700000" algn="tl">
-                    <a:srgbClr val="000000">
-                      <a:alpha val="43137"/>
-                    </a:srgbClr>
-                  </a:outerShdw>
-                </a:effectLst>
-                <a:latin typeface="나눔고딕" pitchFamily="50" charset="-127"/>
-                <a:ea typeface="나눔고딕" pitchFamily="50" charset="-127"/>
-              </a:rPr>
-              <a:t>S</a:t>
-            </a:r>
-            <a:r>
-              <a:rPr lang="en-US" altLang="ko-KR" sz="4800" spc="600" dirty="0" smtClean="0">
-                <a:gradFill>
-                  <a:gsLst>
-                    <a:gs pos="0">
-                      <a:srgbClr val="7E858E"/>
-                    </a:gs>
-                    <a:gs pos="50000">
-                      <a:srgbClr val="7E858E"/>
-                    </a:gs>
-                  </a:gsLst>
-                  <a:lin ang="5400000" scaled="0"/>
-                </a:gradFill>
-                <a:effectLst>
-                  <a:outerShdw blurRad="38100" dist="38100" dir="2700000" algn="tl">
-                    <a:srgbClr val="000000">
-                      <a:alpha val="43137"/>
-                    </a:srgbClr>
-                  </a:outerShdw>
-                </a:effectLst>
-                <a:latin typeface="나눔고딕" pitchFamily="50" charset="-127"/>
-                <a:ea typeface="나눔고딕" pitchFamily="50" charset="-127"/>
-              </a:rPr>
-              <a:t>ensor</a:t>
-            </a:r>
-            <a:endParaRPr lang="ko-KR" altLang="en-US" sz="4800" spc="600" dirty="0">
-              <a:gradFill>
-                <a:gsLst>
-                  <a:gs pos="0">
-                    <a:srgbClr val="7E858E"/>
-                  </a:gs>
-                  <a:gs pos="50000">
-                    <a:srgbClr val="7E858E"/>
-                  </a:gs>
-                </a:gsLst>
-                <a:lin ang="5400000" scaled="0"/>
-              </a:gradFill>
-              <a:effectLst>
-                <a:outerShdw blurRad="38100" dist="38100" dir="2700000" algn="tl">
-                  <a:srgbClr val="000000">
-                    <a:alpha val="43137"/>
-                  </a:srgbClr>
-                </a:outerShdw>
-              </a:effectLst>
-              <a:latin typeface="나눔고딕" pitchFamily="50" charset="-127"/>
-              <a:ea typeface="나눔고딕" pitchFamily="50" charset="-127"/>
-            </a:endParaRPr>
-          </a:p>
-        </p:txBody>
-      </p:sp>
-    </p:spTree>
-    <p:extLst>
-      <p:ext uri="{BB962C8B-B14F-4D97-AF65-F5344CB8AC3E}">
-        <p14:creationId xmlns:p14="http://schemas.microsoft.com/office/powerpoint/2010/main" val="1955136371"/>
-      </p:ext>
-    </p:extLst>
-  </p:cSld>
-  <p:clrMapOvr>
-    <a:masterClrMapping/>
-  </p:clrMapOvr>
-</p:sld>
-</file>
-
-<file path=ppt/slides/slide8.xml><?xml version="1.0" encoding="utf-8"?>
-<p:sld xmlns:a="http://schemas.openxmlformats.org/drawingml/2006/main" xmlns:r="http://schemas.openxmlformats.org/officeDocument/2006/relationships" xmlns:p="http://schemas.openxmlformats.org/presentationml/2006/main">
-  <p:cSld>
-    <p:spTree>
-      <p:nvGrpSpPr>
-        <p:cNvPr id="1" name=""/>
-        <p:cNvGrpSpPr/>
-        <p:nvPr/>
-      </p:nvGrpSpPr>
-      <p:grpSpPr>
-        <a:xfrm>
-          <a:off x="0" y="0"/>
-          <a:ext cx="0" cy="0"/>
-          <a:chOff x="0" y="0"/>
-          <a:chExt cx="0" cy="0"/>
-        </a:xfrm>
-      </p:grpSpPr>
-      <p:sp>
-        <p:nvSpPr>
-          <p:cNvPr id="2" name="슬라이드 번호 개체 틀 1"/>
-          <p:cNvSpPr>
-            <a:spLocks noGrp="1"/>
-          </p:cNvSpPr>
-          <p:nvPr>
-            <p:ph type="sldNum" sz="quarter" idx="12"/>
-          </p:nvPr>
-        </p:nvSpPr>
-        <p:spPr/>
-        <p:txBody>
-          <a:bodyPr/>
-          <a:lstStyle/>
-          <a:p>
-            <a:fld id="{B91F475D-C4CC-4CE8-81AD-732BFDCB340A}" type="slidenum">
-              <a:rPr lang="ko-KR" altLang="en-US" smtClean="0"/>
-              <a:t>8</a:t>
-            </a:fld>
-            <a:endParaRPr lang="ko-KR" altLang="en-US"/>
-          </a:p>
-        </p:txBody>
-      </p:sp>
-    </p:spTree>
-    <p:extLst>
-      <p:ext uri="{BB962C8B-B14F-4D97-AF65-F5344CB8AC3E}">
-        <p14:creationId xmlns:p14="http://schemas.microsoft.com/office/powerpoint/2010/main" val="175507475"/>
       </p:ext>
     </p:extLst>
   </p:cSld>
@@ -4870,14 +6299,14 @@
       </p:sp>
       <p:sp>
         <p:nvSpPr>
-          <p:cNvPr id="4" name="TextBox 3"/>
+          <p:cNvPr id="3" name="TextBox 2"/>
           <p:cNvSpPr txBox="1"/>
           <p:nvPr/>
         </p:nvSpPr>
         <p:spPr>
           <a:xfrm>
-            <a:off x="251520" y="3566875"/>
-            <a:ext cx="7114480" cy="720197"/>
+            <a:off x="162804" y="531756"/>
+            <a:ext cx="7114480" cy="380104"/>
           </a:xfrm>
           <a:prstGeom prst="rect">
             <a:avLst/>
@@ -4896,7 +6325,7 @@
               </a:lnSpc>
             </a:pPr>
             <a:r>
-              <a:rPr lang="en-US" altLang="ko-KR" sz="4800" spc="600" dirty="0" smtClean="0">
+              <a:rPr lang="en-US" altLang="ko-KR" sz="2200" spc="600" dirty="0" smtClean="0">
                 <a:solidFill>
                   <a:srgbClr val="FF0000"/>
                 </a:solidFill>
@@ -4910,54 +6339,10 @@
                 <a:latin typeface="나눔고딕" pitchFamily="50" charset="-127"/>
                 <a:ea typeface="나눔고딕" pitchFamily="50" charset="-127"/>
               </a:rPr>
-              <a:t>A</a:t>
-            </a:r>
-            <a:r>
-              <a:rPr lang="en-US" altLang="ko-KR" sz="4800" spc="600" dirty="0" smtClean="0">
-                <a:solidFill>
-                  <a:schemeClr val="bg1">
-                    <a:lumMod val="50000"/>
-                  </a:schemeClr>
-                </a:solidFill>
-                <a:effectLst>
-                  <a:outerShdw blurRad="38100" dist="38100" dir="2700000" algn="tl">
-                    <a:srgbClr val="000000">
-                      <a:alpha val="43137"/>
-                    </a:srgbClr>
-                  </a:outerShdw>
-                </a:effectLst>
-                <a:latin typeface="나눔고딕" pitchFamily="50" charset="-127"/>
-                <a:ea typeface="나눔고딕" pitchFamily="50" charset="-127"/>
-              </a:rPr>
-              <a:t>pp</a:t>
-            </a:r>
-            <a:r>
-              <a:rPr lang="en-US" altLang="ko-KR" sz="4800" spc="600" dirty="0" smtClean="0">
-                <a:gradFill>
-                  <a:gsLst>
-                    <a:gs pos="0">
-                      <a:srgbClr val="7E858E"/>
-                    </a:gs>
-                    <a:gs pos="50000">
-                      <a:srgbClr val="7E858E"/>
-                    </a:gs>
-                  </a:gsLst>
-                  <a:lin ang="5400000" scaled="0"/>
-                </a:gradFill>
-                <a:effectLst>
-                  <a:outerShdw blurRad="38100" dist="38100" dir="2700000" algn="tl">
-                    <a:srgbClr val="000000">
-                      <a:alpha val="43137"/>
-                    </a:srgbClr>
-                  </a:outerShdw>
-                </a:effectLst>
-                <a:latin typeface="나눔고딕" pitchFamily="50" charset="-127"/>
-                <a:ea typeface="나눔고딕" pitchFamily="50" charset="-127"/>
-              </a:rPr>
-              <a:t> </a:t>
-            </a:r>
-            <a:r>
-              <a:rPr lang="en-US" altLang="ko-KR" sz="4800" spc="600" dirty="0" smtClean="0">
+              <a:t>Web </a:t>
+            </a:r>
+            <a:r>
+              <a:rPr lang="en-US" altLang="ko-KR" sz="2200" spc="600" dirty="0" smtClean="0">
                 <a:solidFill>
                   <a:srgbClr val="FF0000"/>
                 </a:solidFill>
@@ -4971,87 +6356,12 @@
                 <a:latin typeface="나눔고딕" pitchFamily="50" charset="-127"/>
                 <a:ea typeface="나눔고딕" pitchFamily="50" charset="-127"/>
               </a:rPr>
-              <a:t>B</a:t>
-            </a:r>
-            <a:r>
-              <a:rPr lang="en-US" altLang="ko-KR" sz="4800" spc="600" dirty="0" smtClean="0">
-                <a:gradFill>
-                  <a:gsLst>
-                    <a:gs pos="0">
-                      <a:srgbClr val="7E858E"/>
-                    </a:gs>
-                    <a:gs pos="50000">
-                      <a:srgbClr val="7E858E"/>
-                    </a:gs>
-                  </a:gsLst>
-                  <a:lin ang="5400000" scaled="0"/>
-                </a:gradFill>
-                <a:effectLst>
-                  <a:outerShdw blurRad="38100" dist="38100" dir="2700000" algn="tl">
-                    <a:srgbClr val="000000">
-                      <a:alpha val="43137"/>
-                    </a:srgbClr>
-                  </a:outerShdw>
-                </a:effectLst>
-                <a:latin typeface="나눔고딕" pitchFamily="50" charset="-127"/>
-                <a:ea typeface="나눔고딕" pitchFamily="50" charset="-127"/>
-              </a:rPr>
-              <a:t>lock </a:t>
-            </a:r>
-            <a:r>
-              <a:rPr lang="en-US" altLang="ko-KR" sz="4800" spc="600" dirty="0" smtClean="0">
-                <a:solidFill>
-                  <a:srgbClr val="FF0000"/>
-                </a:solidFill>
-                <a:effectLst>
-                  <a:outerShdw blurRad="38100" dist="38100" dir="2700000" algn="tl">
-                    <a:srgbClr val="000000">
-                      <a:alpha val="43137"/>
-                    </a:srgbClr>
-                  </a:outerShdw>
-                </a:effectLst>
-                <a:latin typeface="나눔고딕" pitchFamily="50" charset="-127"/>
-                <a:ea typeface="나눔고딕" pitchFamily="50" charset="-127"/>
-              </a:rPr>
-              <a:t>D</a:t>
-            </a:r>
-            <a:r>
-              <a:rPr lang="en-US" altLang="ko-KR" sz="4800" spc="600" dirty="0" smtClean="0">
-                <a:gradFill>
-                  <a:gsLst>
-                    <a:gs pos="0">
-                      <a:srgbClr val="7E858E"/>
-                    </a:gs>
-                    <a:gs pos="50000">
-                      <a:srgbClr val="7E858E"/>
-                    </a:gs>
-                  </a:gsLst>
-                  <a:lin ang="5400000" scaled="0"/>
-                </a:gradFill>
-                <a:effectLst>
-                  <a:outerShdw blurRad="38100" dist="38100" dir="2700000" algn="tl">
-                    <a:srgbClr val="000000">
-                      <a:alpha val="43137"/>
-                    </a:srgbClr>
-                  </a:outerShdw>
-                </a:effectLst>
-                <a:latin typeface="나눔고딕" pitchFamily="50" charset="-127"/>
-                <a:ea typeface="나눔고딕" pitchFamily="50" charset="-127"/>
-              </a:rPr>
-              <a:t>iagram</a:t>
-            </a:r>
-            <a:endParaRPr lang="ko-KR" altLang="en-US" sz="4800" spc="600" dirty="0">
-              <a:gradFill>
-                <a:gsLst>
-                  <a:gs pos="0">
-                    <a:srgbClr val="7E858E"/>
-                  </a:gs>
-                  <a:gs pos="50000">
-                    <a:srgbClr val="7E858E"/>
-                  </a:gs>
-                </a:gsLst>
-                <a:lin ang="5400000" scaled="0"/>
-              </a:gradFill>
+              <a:t>Client</a:t>
+            </a:r>
+            <a:endParaRPr lang="ko-KR" altLang="en-US" sz="2200" spc="600" dirty="0">
+              <a:solidFill>
+                <a:srgbClr val="FF0000"/>
+              </a:solidFill>
               <a:effectLst>
                 <a:outerShdw blurRad="38100" dist="38100" dir="2700000" algn="tl">
                   <a:srgbClr val="000000">
@@ -5068,7 +6378,7 @@
     </p:spTree>
     <p:extLst>
       <p:ext uri="{BB962C8B-B14F-4D97-AF65-F5344CB8AC3E}">
-        <p14:creationId xmlns:p14="http://schemas.microsoft.com/office/powerpoint/2010/main" val="167934523"/>
+        <p14:creationId xmlns:p14="http://schemas.microsoft.com/office/powerpoint/2010/main" val="1414815071"/>
       </p:ext>
     </p:extLst>
   </p:cSld>
